--- a/navigator_route/navigator_route.pptx
+++ b/navigator_route/navigator_route.pptx
@@ -5,8 +5,8 @@
     <p:sldMasterId id="2147483648" r:id="rId1"/>
   </p:sldMasterIdLst>
   <p:sldIdLst>
-    <p:sldId id="256" r:id="rId2"/>
-    <p:sldId id="257" r:id="rId3"/>
+    <p:sldId id="257" r:id="rId2"/>
+    <p:sldId id="256" r:id="rId3"/>
     <p:sldId id="258" r:id="rId4"/>
     <p:sldId id="259" r:id="rId5"/>
     <p:sldId id="260" r:id="rId6"/>
@@ -109,6 +109,11 @@
       </a:defRPr>
     </a:lvl9pPr>
   </p:defaultTextStyle>
+  <p:extLst>
+    <p:ext uri="{EFAFB233-063F-42B5-8137-9DF3F51BA10A}">
+      <p15:sldGuideLst xmlns:p15="http://schemas.microsoft.com/office/powerpoint/2012/main"/>
+    </p:ext>
+  </p:extLst>
 </p:presentation>
 </file>
 
@@ -3326,10 +3331,239 @@
           <a:chExt cx="0" cy="0"/>
         </a:xfrm>
       </p:grpSpPr>
+      <p:pic>
+        <p:nvPicPr>
+          <p:cNvPr id="1026" name="Picture 2">
+            <a:extLst>
+              <a:ext uri="{FF2B5EF4-FFF2-40B4-BE49-F238E27FC236}">
+                <a16:creationId xmlns:a16="http://schemas.microsoft.com/office/drawing/2014/main" id="{1DDD8A2C-BF62-792E-9481-EBF91CFE631D}"/>
+              </a:ext>
+            </a:extLst>
+          </p:cNvPr>
+          <p:cNvPicPr>
+            <a:picLocks noChangeAspect="1" noChangeArrowheads="1"/>
+          </p:cNvPicPr>
+          <p:nvPr/>
+        </p:nvPicPr>
+        <p:blipFill>
+          <a:blip r:embed="rId2">
+            <a:extLst>
+              <a:ext uri="{28A0092B-C50C-407E-A947-70E740481C1C}">
+                <a14:useLocalDpi xmlns:a14="http://schemas.microsoft.com/office/drawing/2010/main" val="0"/>
+              </a:ext>
+            </a:extLst>
+          </a:blip>
+          <a:srcRect/>
+          <a:stretch>
+            <a:fillRect/>
+          </a:stretch>
+        </p:blipFill>
+        <p:spPr bwMode="auto">
+          <a:xfrm>
+            <a:off x="736318" y="647626"/>
+            <a:ext cx="2095500" cy="1504950"/>
+          </a:xfrm>
+          <a:prstGeom prst="rect">
+            <a:avLst/>
+          </a:prstGeom>
+          <a:noFill/>
+          <a:extLst>
+            <a:ext uri="{909E8E84-426E-40DD-AFC4-6F175D3DCCD1}">
+              <a14:hiddenFill xmlns:a14="http://schemas.microsoft.com/office/drawing/2010/main">
+                <a:solidFill>
+                  <a:srgbClr val="FFFFFF"/>
+                </a:solidFill>
+              </a14:hiddenFill>
+            </a:ext>
+          </a:extLst>
+        </p:spPr>
+      </p:pic>
+      <p:sp>
+        <p:nvSpPr>
+          <p:cNvPr id="2" name="TextBox 1">
+            <a:extLst>
+              <a:ext uri="{FF2B5EF4-FFF2-40B4-BE49-F238E27FC236}">
+                <a16:creationId xmlns:a16="http://schemas.microsoft.com/office/drawing/2014/main" id="{CEDF4C28-5489-342E-0991-F222C64195EA}"/>
+              </a:ext>
+            </a:extLst>
+          </p:cNvPr>
+          <p:cNvSpPr txBox="1"/>
+          <p:nvPr/>
+        </p:nvSpPr>
+        <p:spPr>
+          <a:xfrm>
+            <a:off x="1216444" y="276225"/>
+            <a:ext cx="1321196" cy="261610"/>
+          </a:xfrm>
+          <a:prstGeom prst="rect">
+            <a:avLst/>
+          </a:prstGeom>
+          <a:noFill/>
+        </p:spPr>
+        <p:txBody>
+          <a:bodyPr wrap="none" rtlCol="0">
+            <a:spAutoFit/>
+          </a:bodyPr>
+          <a:lstStyle/>
+          <a:p>
+            <a:r>
+              <a:rPr lang="en-US" altLang="ko-KR" sz="1100" dirty="0"/>
+              <a:t>[ Stack</a:t>
+            </a:r>
+            <a:r>
+              <a:rPr lang="ko-KR" altLang="en-US" sz="1100" dirty="0"/>
+              <a:t> </a:t>
+            </a:r>
+            <a:r>
+              <a:rPr lang="en-US" altLang="ko-KR" sz="1100" dirty="0"/>
+              <a:t>structure ]</a:t>
+            </a:r>
+            <a:endParaRPr lang="ko-KR" altLang="en-US" sz="1100" dirty="0"/>
+          </a:p>
+        </p:txBody>
+      </p:sp>
+      <p:pic>
+        <p:nvPicPr>
+          <p:cNvPr id="1028" name="Picture 4">
+            <a:extLst>
+              <a:ext uri="{FF2B5EF4-FFF2-40B4-BE49-F238E27FC236}">
+                <a16:creationId xmlns:a16="http://schemas.microsoft.com/office/drawing/2014/main" id="{3CCEF646-6434-13EC-BE66-7A6162499976}"/>
+              </a:ext>
+            </a:extLst>
+          </p:cNvPr>
+          <p:cNvPicPr>
+            <a:picLocks noChangeAspect="1" noChangeArrowheads="1"/>
+          </p:cNvPicPr>
+          <p:nvPr/>
+        </p:nvPicPr>
+        <p:blipFill>
+          <a:blip r:embed="rId3">
+            <a:extLst>
+              <a:ext uri="{28A0092B-C50C-407E-A947-70E740481C1C}">
+                <a14:useLocalDpi xmlns:a14="http://schemas.microsoft.com/office/drawing/2010/main" val="0"/>
+              </a:ext>
+            </a:extLst>
+          </a:blip>
+          <a:srcRect/>
+          <a:stretch>
+            <a:fillRect/>
+          </a:stretch>
+        </p:blipFill>
+        <p:spPr bwMode="auto">
+          <a:xfrm>
+            <a:off x="3829050" y="780976"/>
+            <a:ext cx="2095500" cy="1371600"/>
+          </a:xfrm>
+          <a:prstGeom prst="rect">
+            <a:avLst/>
+          </a:prstGeom>
+          <a:noFill/>
+          <a:extLst>
+            <a:ext uri="{909E8E84-426E-40DD-AFC4-6F175D3DCCD1}">
+              <a14:hiddenFill xmlns:a14="http://schemas.microsoft.com/office/drawing/2010/main">
+                <a:solidFill>
+                  <a:srgbClr val="FFFFFF"/>
+                </a:solidFill>
+              </a14:hiddenFill>
+            </a:ext>
+          </a:extLst>
+        </p:spPr>
+      </p:pic>
+      <p:sp>
+        <p:nvSpPr>
+          <p:cNvPr id="3" name="TextBox 2">
+            <a:extLst>
+              <a:ext uri="{FF2B5EF4-FFF2-40B4-BE49-F238E27FC236}">
+                <a16:creationId xmlns:a16="http://schemas.microsoft.com/office/drawing/2014/main" id="{83B0B49B-A95D-184C-D322-BDC8F983FD81}"/>
+              </a:ext>
+            </a:extLst>
+          </p:cNvPr>
+          <p:cNvSpPr txBox="1"/>
+          <p:nvPr/>
+        </p:nvSpPr>
+        <p:spPr>
+          <a:xfrm>
+            <a:off x="4244777" y="276225"/>
+            <a:ext cx="1406154" cy="261610"/>
+          </a:xfrm>
+          <a:prstGeom prst="rect">
+            <a:avLst/>
+          </a:prstGeom>
+          <a:noFill/>
+        </p:spPr>
+        <p:txBody>
+          <a:bodyPr wrap="none" rtlCol="0">
+            <a:spAutoFit/>
+          </a:bodyPr>
+          <a:lstStyle/>
+          <a:p>
+            <a:r>
+              <a:rPr lang="en-US" altLang="ko-KR" sz="1100" dirty="0"/>
+              <a:t>[ Queue</a:t>
+            </a:r>
+            <a:r>
+              <a:rPr lang="ko-KR" altLang="en-US" sz="1100" dirty="0"/>
+              <a:t> </a:t>
+            </a:r>
+            <a:r>
+              <a:rPr lang="en-US" altLang="ko-KR" sz="1100" dirty="0"/>
+              <a:t>structure ]</a:t>
+            </a:r>
+            <a:endParaRPr lang="ko-KR" altLang="en-US" sz="1100" dirty="0"/>
+          </a:p>
+        </p:txBody>
+      </p:sp>
+      <p:sp>
+        <p:nvSpPr>
+          <p:cNvPr id="4" name="직사각형 3">
+            <a:extLst>
+              <a:ext uri="{FF2B5EF4-FFF2-40B4-BE49-F238E27FC236}">
+                <a16:creationId xmlns:a16="http://schemas.microsoft.com/office/drawing/2014/main" id="{9135B445-5B53-183B-6443-DC8B00C77D3F}"/>
+              </a:ext>
+            </a:extLst>
+          </p:cNvPr>
+          <p:cNvSpPr/>
+          <p:nvPr/>
+        </p:nvSpPr>
+        <p:spPr>
+          <a:xfrm>
+            <a:off x="542925" y="200025"/>
+            <a:ext cx="5553075" cy="2095500"/>
+          </a:xfrm>
+          <a:prstGeom prst="rect">
+            <a:avLst/>
+          </a:prstGeom>
+          <a:noFill/>
+        </p:spPr>
+        <p:style>
+          <a:lnRef idx="2">
+            <a:schemeClr val="accent1">
+              <a:shade val="50000"/>
+            </a:schemeClr>
+          </a:lnRef>
+          <a:fillRef idx="1">
+            <a:schemeClr val="accent1"/>
+          </a:fillRef>
+          <a:effectRef idx="0">
+            <a:schemeClr val="accent1"/>
+          </a:effectRef>
+          <a:fontRef idx="minor">
+            <a:schemeClr val="lt1"/>
+          </a:fontRef>
+        </p:style>
+        <p:txBody>
+          <a:bodyPr rtlCol="0" anchor="ctr"/>
+          <a:lstStyle/>
+          <a:p>
+            <a:pPr algn="ctr"/>
+            <a:endParaRPr lang="ko-KR" altLang="en-US"/>
+          </a:p>
+        </p:txBody>
+      </p:sp>
     </p:spTree>
     <p:extLst>
       <p:ext uri="{BB962C8B-B14F-4D97-AF65-F5344CB8AC3E}">
-        <p14:creationId xmlns:p14="http://schemas.microsoft.com/office/powerpoint/2010/main" val="1586530100"/>
+        <p14:creationId xmlns:p14="http://schemas.microsoft.com/office/powerpoint/2010/main" val="2434115725"/>
       </p:ext>
     </p:extLst>
   </p:cSld>
@@ -3356,10 +3590,782 @@
           <a:chExt cx="0" cy="0"/>
         </a:xfrm>
       </p:grpSpPr>
+      <p:sp>
+        <p:nvSpPr>
+          <p:cNvPr id="2" name="직사각형 1">
+            <a:extLst>
+              <a:ext uri="{FF2B5EF4-FFF2-40B4-BE49-F238E27FC236}">
+                <a16:creationId xmlns:a16="http://schemas.microsoft.com/office/drawing/2014/main" id="{9B112C20-E538-53E4-2459-91F21C1F4143}"/>
+              </a:ext>
+            </a:extLst>
+          </p:cNvPr>
+          <p:cNvSpPr/>
+          <p:nvPr/>
+        </p:nvSpPr>
+        <p:spPr>
+          <a:xfrm>
+            <a:off x="968721" y="778909"/>
+            <a:ext cx="1086416" cy="369332"/>
+          </a:xfrm>
+          <a:prstGeom prst="rect">
+            <a:avLst/>
+          </a:prstGeom>
+          <a:noFill/>
+        </p:spPr>
+        <p:style>
+          <a:lnRef idx="2">
+            <a:schemeClr val="accent1">
+              <a:shade val="50000"/>
+            </a:schemeClr>
+          </a:lnRef>
+          <a:fillRef idx="1">
+            <a:schemeClr val="accent1"/>
+          </a:fillRef>
+          <a:effectRef idx="0">
+            <a:schemeClr val="accent1"/>
+          </a:effectRef>
+          <a:fontRef idx="minor">
+            <a:schemeClr val="lt1"/>
+          </a:fontRef>
+        </p:style>
+        <p:txBody>
+          <a:bodyPr rtlCol="0" anchor="ctr"/>
+          <a:lstStyle/>
+          <a:p>
+            <a:pPr algn="ctr"/>
+            <a:r>
+              <a:rPr lang="en-US" altLang="ko-KR" sz="1050" dirty="0">
+                <a:solidFill>
+                  <a:schemeClr val="tx1"/>
+                </a:solidFill>
+              </a:rPr>
+              <a:t>HomePage</a:t>
+            </a:r>
+            <a:endParaRPr lang="ko-KR" altLang="en-US" sz="1050" dirty="0">
+              <a:solidFill>
+                <a:schemeClr val="tx1"/>
+              </a:solidFill>
+            </a:endParaRPr>
+          </a:p>
+        </p:txBody>
+      </p:sp>
+      <p:sp>
+        <p:nvSpPr>
+          <p:cNvPr id="3" name="TextBox 2">
+            <a:extLst>
+              <a:ext uri="{FF2B5EF4-FFF2-40B4-BE49-F238E27FC236}">
+                <a16:creationId xmlns:a16="http://schemas.microsoft.com/office/drawing/2014/main" id="{B1CFC030-E3B2-B07A-E3C6-236EBB96D1FF}"/>
+              </a:ext>
+            </a:extLst>
+          </p:cNvPr>
+          <p:cNvSpPr txBox="1"/>
+          <p:nvPr/>
+        </p:nvSpPr>
+        <p:spPr>
+          <a:xfrm>
+            <a:off x="333375" y="177254"/>
+            <a:ext cx="2560509" cy="369332"/>
+          </a:xfrm>
+          <a:prstGeom prst="rect">
+            <a:avLst/>
+          </a:prstGeom>
+          <a:noFill/>
+        </p:spPr>
+        <p:txBody>
+          <a:bodyPr wrap="none" rtlCol="0">
+            <a:spAutoFit/>
+          </a:bodyPr>
+          <a:lstStyle/>
+          <a:p>
+            <a:r>
+              <a:rPr lang="en-US" altLang="ko-KR" dirty="0"/>
+              <a:t>navigator_step100.dart</a:t>
+            </a:r>
+            <a:endParaRPr lang="ko-KR" altLang="en-US" dirty="0"/>
+          </a:p>
+        </p:txBody>
+      </p:sp>
+      <p:sp>
+        <p:nvSpPr>
+          <p:cNvPr id="4" name="직사각형 3">
+            <a:extLst>
+              <a:ext uri="{FF2B5EF4-FFF2-40B4-BE49-F238E27FC236}">
+                <a16:creationId xmlns:a16="http://schemas.microsoft.com/office/drawing/2014/main" id="{1A14C431-385F-9615-270C-287A2B277D13}"/>
+              </a:ext>
+            </a:extLst>
+          </p:cNvPr>
+          <p:cNvSpPr/>
+          <p:nvPr/>
+        </p:nvSpPr>
+        <p:spPr>
+          <a:xfrm>
+            <a:off x="968721" y="1611828"/>
+            <a:ext cx="1086416" cy="369332"/>
+          </a:xfrm>
+          <a:prstGeom prst="rect">
+            <a:avLst/>
+          </a:prstGeom>
+          <a:noFill/>
+        </p:spPr>
+        <p:style>
+          <a:lnRef idx="2">
+            <a:schemeClr val="accent1">
+              <a:shade val="50000"/>
+            </a:schemeClr>
+          </a:lnRef>
+          <a:fillRef idx="1">
+            <a:schemeClr val="accent1"/>
+          </a:fillRef>
+          <a:effectRef idx="0">
+            <a:schemeClr val="accent1"/>
+          </a:effectRef>
+          <a:fontRef idx="minor">
+            <a:schemeClr val="lt1"/>
+          </a:fontRef>
+        </p:style>
+        <p:txBody>
+          <a:bodyPr rtlCol="0" anchor="ctr"/>
+          <a:lstStyle/>
+          <a:p>
+            <a:pPr algn="ctr"/>
+            <a:r>
+              <a:rPr lang="en-US" altLang="ko-KR" sz="1050" dirty="0">
+                <a:solidFill>
+                  <a:schemeClr val="tx1"/>
+                </a:solidFill>
+              </a:rPr>
+              <a:t>FirstPage</a:t>
+            </a:r>
+            <a:endParaRPr lang="ko-KR" altLang="en-US" sz="1050" dirty="0">
+              <a:solidFill>
+                <a:schemeClr val="tx1"/>
+              </a:solidFill>
+            </a:endParaRPr>
+          </a:p>
+        </p:txBody>
+      </p:sp>
+      <p:sp>
+        <p:nvSpPr>
+          <p:cNvPr id="5" name="직사각형 4">
+            <a:extLst>
+              <a:ext uri="{FF2B5EF4-FFF2-40B4-BE49-F238E27FC236}">
+                <a16:creationId xmlns:a16="http://schemas.microsoft.com/office/drawing/2014/main" id="{7D407D56-A834-E60F-6EC0-19F0D7A8F23B}"/>
+              </a:ext>
+            </a:extLst>
+          </p:cNvPr>
+          <p:cNvSpPr/>
+          <p:nvPr/>
+        </p:nvSpPr>
+        <p:spPr>
+          <a:xfrm>
+            <a:off x="968721" y="2444747"/>
+            <a:ext cx="1086416" cy="369332"/>
+          </a:xfrm>
+          <a:prstGeom prst="rect">
+            <a:avLst/>
+          </a:prstGeom>
+          <a:noFill/>
+        </p:spPr>
+        <p:style>
+          <a:lnRef idx="2">
+            <a:schemeClr val="accent1">
+              <a:shade val="50000"/>
+            </a:schemeClr>
+          </a:lnRef>
+          <a:fillRef idx="1">
+            <a:schemeClr val="accent1"/>
+          </a:fillRef>
+          <a:effectRef idx="0">
+            <a:schemeClr val="accent1"/>
+          </a:effectRef>
+          <a:fontRef idx="minor">
+            <a:schemeClr val="lt1"/>
+          </a:fontRef>
+        </p:style>
+        <p:txBody>
+          <a:bodyPr rtlCol="0" anchor="ctr"/>
+          <a:lstStyle/>
+          <a:p>
+            <a:pPr algn="ctr"/>
+            <a:r>
+              <a:rPr lang="en-US" altLang="ko-KR" sz="1050" dirty="0">
+                <a:solidFill>
+                  <a:schemeClr val="tx1"/>
+                </a:solidFill>
+              </a:rPr>
+              <a:t>SecondPage</a:t>
+            </a:r>
+            <a:endParaRPr lang="ko-KR" altLang="en-US" sz="1050" dirty="0">
+              <a:solidFill>
+                <a:schemeClr val="tx1"/>
+              </a:solidFill>
+            </a:endParaRPr>
+          </a:p>
+        </p:txBody>
+      </p:sp>
+      <p:cxnSp>
+        <p:nvCxnSpPr>
+          <p:cNvPr id="7" name="직선 화살표 연결선 6">
+            <a:extLst>
+              <a:ext uri="{FF2B5EF4-FFF2-40B4-BE49-F238E27FC236}">
+                <a16:creationId xmlns:a16="http://schemas.microsoft.com/office/drawing/2014/main" id="{F75F2FFF-C312-4B3A-6FB5-92357ECDA0BE}"/>
+              </a:ext>
+            </a:extLst>
+          </p:cNvPr>
+          <p:cNvCxnSpPr>
+            <a:cxnSpLocks/>
+          </p:cNvCxnSpPr>
+          <p:nvPr/>
+        </p:nvCxnSpPr>
+        <p:spPr>
+          <a:xfrm>
+            <a:off x="1312753" y="1148241"/>
+            <a:ext cx="0" cy="463587"/>
+          </a:xfrm>
+          <a:prstGeom prst="straightConnector1">
+            <a:avLst/>
+          </a:prstGeom>
+          <a:ln>
+            <a:tailEnd type="triangle"/>
+          </a:ln>
+        </p:spPr>
+        <p:style>
+          <a:lnRef idx="1">
+            <a:schemeClr val="accent1"/>
+          </a:lnRef>
+          <a:fillRef idx="0">
+            <a:schemeClr val="accent1"/>
+          </a:fillRef>
+          <a:effectRef idx="0">
+            <a:schemeClr val="accent1"/>
+          </a:effectRef>
+          <a:fontRef idx="minor">
+            <a:schemeClr val="tx1"/>
+          </a:fontRef>
+        </p:style>
+      </p:cxnSp>
+      <p:cxnSp>
+        <p:nvCxnSpPr>
+          <p:cNvPr id="10" name="직선 화살표 연결선 9">
+            <a:extLst>
+              <a:ext uri="{FF2B5EF4-FFF2-40B4-BE49-F238E27FC236}">
+                <a16:creationId xmlns:a16="http://schemas.microsoft.com/office/drawing/2014/main" id="{7B538ABF-2D1B-76BD-A709-83C6CD9C0F59}"/>
+              </a:ext>
+            </a:extLst>
+          </p:cNvPr>
+          <p:cNvCxnSpPr>
+            <a:cxnSpLocks/>
+          </p:cNvCxnSpPr>
+          <p:nvPr/>
+        </p:nvCxnSpPr>
+        <p:spPr>
+          <a:xfrm>
+            <a:off x="1330860" y="1981160"/>
+            <a:ext cx="0" cy="463587"/>
+          </a:xfrm>
+          <a:prstGeom prst="straightConnector1">
+            <a:avLst/>
+          </a:prstGeom>
+          <a:ln>
+            <a:tailEnd type="triangle"/>
+          </a:ln>
+        </p:spPr>
+        <p:style>
+          <a:lnRef idx="1">
+            <a:schemeClr val="accent1"/>
+          </a:lnRef>
+          <a:fillRef idx="0">
+            <a:schemeClr val="accent1"/>
+          </a:fillRef>
+          <a:effectRef idx="0">
+            <a:schemeClr val="accent1"/>
+          </a:effectRef>
+          <a:fontRef idx="minor">
+            <a:schemeClr val="tx1"/>
+          </a:fontRef>
+        </p:style>
+      </p:cxnSp>
+      <p:cxnSp>
+        <p:nvCxnSpPr>
+          <p:cNvPr id="12" name="직선 화살표 연결선 11">
+            <a:extLst>
+              <a:ext uri="{FF2B5EF4-FFF2-40B4-BE49-F238E27FC236}">
+                <a16:creationId xmlns:a16="http://schemas.microsoft.com/office/drawing/2014/main" id="{C2486025-036F-80DA-D3E1-2095E5249685}"/>
+              </a:ext>
+            </a:extLst>
+          </p:cNvPr>
+          <p:cNvCxnSpPr/>
+          <p:nvPr/>
+        </p:nvCxnSpPr>
+        <p:spPr>
+          <a:xfrm flipV="1">
+            <a:off x="1747319" y="1148241"/>
+            <a:ext cx="0" cy="463587"/>
+          </a:xfrm>
+          <a:prstGeom prst="straightConnector1">
+            <a:avLst/>
+          </a:prstGeom>
+          <a:ln>
+            <a:tailEnd type="triangle"/>
+          </a:ln>
+        </p:spPr>
+        <p:style>
+          <a:lnRef idx="1">
+            <a:schemeClr val="accent1"/>
+          </a:lnRef>
+          <a:fillRef idx="0">
+            <a:schemeClr val="accent1"/>
+          </a:fillRef>
+          <a:effectRef idx="0">
+            <a:schemeClr val="accent1"/>
+          </a:effectRef>
+          <a:fontRef idx="minor">
+            <a:schemeClr val="tx1"/>
+          </a:fontRef>
+        </p:style>
+      </p:cxnSp>
+      <p:cxnSp>
+        <p:nvCxnSpPr>
+          <p:cNvPr id="13" name="직선 화살표 연결선 12">
+            <a:extLst>
+              <a:ext uri="{FF2B5EF4-FFF2-40B4-BE49-F238E27FC236}">
+                <a16:creationId xmlns:a16="http://schemas.microsoft.com/office/drawing/2014/main" id="{6115095E-3835-B512-03B5-5A2C639837FA}"/>
+              </a:ext>
+            </a:extLst>
+          </p:cNvPr>
+          <p:cNvCxnSpPr/>
+          <p:nvPr/>
+        </p:nvCxnSpPr>
+        <p:spPr>
+          <a:xfrm flipV="1">
+            <a:off x="1729212" y="1981160"/>
+            <a:ext cx="0" cy="463587"/>
+          </a:xfrm>
+          <a:prstGeom prst="straightConnector1">
+            <a:avLst/>
+          </a:prstGeom>
+          <a:ln>
+            <a:tailEnd type="triangle"/>
+          </a:ln>
+        </p:spPr>
+        <p:style>
+          <a:lnRef idx="1">
+            <a:schemeClr val="accent1"/>
+          </a:lnRef>
+          <a:fillRef idx="0">
+            <a:schemeClr val="accent1"/>
+          </a:fillRef>
+          <a:effectRef idx="0">
+            <a:schemeClr val="accent1"/>
+          </a:effectRef>
+          <a:fontRef idx="minor">
+            <a:schemeClr val="tx1"/>
+          </a:fontRef>
+        </p:style>
+      </p:cxnSp>
+      <p:sp>
+        <p:nvSpPr>
+          <p:cNvPr id="15" name="TextBox 14">
+            <a:extLst>
+              <a:ext uri="{FF2B5EF4-FFF2-40B4-BE49-F238E27FC236}">
+                <a16:creationId xmlns:a16="http://schemas.microsoft.com/office/drawing/2014/main" id="{DF32ECF6-3F1D-29BF-879D-350CD8196A15}"/>
+              </a:ext>
+            </a:extLst>
+          </p:cNvPr>
+          <p:cNvSpPr txBox="1"/>
+          <p:nvPr/>
+        </p:nvSpPr>
+        <p:spPr>
+          <a:xfrm>
+            <a:off x="2335793" y="813894"/>
+            <a:ext cx="6337428" cy="2031325"/>
+          </a:xfrm>
+          <a:prstGeom prst="rect">
+            <a:avLst/>
+          </a:prstGeom>
+          <a:noFill/>
+        </p:spPr>
+        <p:txBody>
+          <a:bodyPr wrap="square">
+            <a:spAutoFit/>
+          </a:bodyPr>
+          <a:lstStyle/>
+          <a:p>
+            <a:r>
+              <a:rPr lang="en-US" altLang="ko-KR" sz="1400" b="0" dirty="0">
+                <a:solidFill>
+                  <a:srgbClr val="515151"/>
+                </a:solidFill>
+                <a:effectLst/>
+                <a:latin typeface="Consolas" panose="020B0609020204030204" pitchFamily="49" charset="0"/>
+              </a:rPr>
+              <a:t>1. </a:t>
+            </a:r>
+            <a:r>
+              <a:rPr lang="en-US" altLang="ko-KR" sz="1400" dirty="0">
+                <a:solidFill>
+                  <a:srgbClr val="515151"/>
+                </a:solidFill>
+                <a:latin typeface="Consolas" panose="020B0609020204030204" pitchFamily="49" charset="0"/>
+              </a:rPr>
+              <a:t>Page</a:t>
+            </a:r>
+            <a:r>
+              <a:rPr lang="ko-KR" altLang="en-US" sz="1400" dirty="0">
+                <a:solidFill>
+                  <a:srgbClr val="515151"/>
+                </a:solidFill>
+                <a:latin typeface="Consolas" panose="020B0609020204030204" pitchFamily="49" charset="0"/>
+              </a:rPr>
+              <a:t>이동시</a:t>
+            </a:r>
+            <a:endParaRPr lang="en-US" altLang="ko-KR" sz="1400" b="0" dirty="0">
+              <a:solidFill>
+                <a:srgbClr val="515151"/>
+              </a:solidFill>
+              <a:effectLst/>
+              <a:latin typeface="Consolas" panose="020B0609020204030204" pitchFamily="49" charset="0"/>
+            </a:endParaRPr>
+          </a:p>
+          <a:p>
+            <a:r>
+              <a:rPr lang="en-US" altLang="ko-KR" sz="1400" b="0" dirty="0">
+                <a:solidFill>
+                  <a:srgbClr val="515151"/>
+                </a:solidFill>
+                <a:effectLst/>
+                <a:latin typeface="Consolas" panose="020B0609020204030204" pitchFamily="49" charset="0"/>
+              </a:rPr>
+              <a:t>  </a:t>
+            </a:r>
+            <a:r>
+              <a:rPr lang="en-US" altLang="ko-KR" sz="1400" b="0" dirty="0">
+                <a:solidFill>
+                  <a:srgbClr val="185E73"/>
+                </a:solidFill>
+                <a:effectLst/>
+                <a:latin typeface="Consolas" panose="020B0609020204030204" pitchFamily="49" charset="0"/>
+              </a:rPr>
+              <a:t>Navigator</a:t>
+            </a:r>
+            <a:r>
+              <a:rPr lang="en-US" altLang="ko-KR" sz="1400" b="0" dirty="0">
+                <a:solidFill>
+                  <a:srgbClr val="515151"/>
+                </a:solidFill>
+                <a:effectLst/>
+                <a:latin typeface="Consolas" panose="020B0609020204030204" pitchFamily="49" charset="0"/>
+              </a:rPr>
+              <a:t>.of(context).push(MaterialPageRoute(builder: </a:t>
+            </a:r>
+          </a:p>
+          <a:p>
+            <a:r>
+              <a:rPr lang="en-US" altLang="ko-KR" sz="1400" dirty="0">
+                <a:solidFill>
+                  <a:srgbClr val="515151"/>
+                </a:solidFill>
+                <a:latin typeface="Consolas" panose="020B0609020204030204" pitchFamily="49" charset="0"/>
+              </a:rPr>
+              <a:t>                                </a:t>
+            </a:r>
+            <a:r>
+              <a:rPr lang="en-US" altLang="ko-KR" sz="1400" b="0" dirty="0">
+                <a:solidFill>
+                  <a:srgbClr val="515151"/>
+                </a:solidFill>
+                <a:effectLst/>
+                <a:latin typeface="Consolas" panose="020B0609020204030204" pitchFamily="49" charset="0"/>
+              </a:rPr>
+              <a:t>(context) =&gt; </a:t>
+            </a:r>
+            <a:r>
+              <a:rPr lang="en-US" altLang="ko-KR" sz="1400" b="0" dirty="0">
+                <a:solidFill>
+                  <a:srgbClr val="FF0000"/>
+                </a:solidFill>
+                <a:effectLst/>
+                <a:latin typeface="Consolas" panose="020B0609020204030204" pitchFamily="49" charset="0"/>
+              </a:rPr>
+              <a:t>FirstPage()</a:t>
+            </a:r>
+            <a:r>
+              <a:rPr lang="en-US" altLang="ko-KR" sz="1400" b="0" dirty="0">
+                <a:solidFill>
+                  <a:srgbClr val="515151"/>
+                </a:solidFill>
+                <a:effectLst/>
+                <a:latin typeface="Consolas" panose="020B0609020204030204" pitchFamily="49" charset="0"/>
+              </a:rPr>
+              <a:t>));</a:t>
+            </a:r>
+          </a:p>
+          <a:p>
+            <a:endParaRPr lang="en-US" altLang="ko-KR" sz="1400" b="0" dirty="0">
+              <a:solidFill>
+                <a:srgbClr val="515151"/>
+              </a:solidFill>
+              <a:effectLst/>
+              <a:latin typeface="Consolas" panose="020B0609020204030204" pitchFamily="49" charset="0"/>
+            </a:endParaRPr>
+          </a:p>
+          <a:p>
+            <a:r>
+              <a:rPr lang="en-US" altLang="ko-KR" sz="1400" b="0" dirty="0">
+                <a:solidFill>
+                  <a:srgbClr val="515151"/>
+                </a:solidFill>
+                <a:effectLst/>
+                <a:latin typeface="Consolas" panose="020B0609020204030204" pitchFamily="49" charset="0"/>
+              </a:rPr>
+              <a:t>  </a:t>
+            </a:r>
+            <a:r>
+              <a:rPr lang="en-US" altLang="ko-KR" sz="1400" b="0" dirty="0">
+                <a:solidFill>
+                  <a:srgbClr val="185E73"/>
+                </a:solidFill>
+                <a:effectLst/>
+                <a:latin typeface="Consolas" panose="020B0609020204030204" pitchFamily="49" charset="0"/>
+              </a:rPr>
+              <a:t>Navigator</a:t>
+            </a:r>
+            <a:r>
+              <a:rPr lang="en-US" altLang="ko-KR" sz="1400" b="0" dirty="0">
+                <a:solidFill>
+                  <a:srgbClr val="515151"/>
+                </a:solidFill>
+                <a:effectLst/>
+                <a:latin typeface="Consolas" panose="020B0609020204030204" pitchFamily="49" charset="0"/>
+              </a:rPr>
+              <a:t>.of(context).push(MaterialPageRoute(builder: </a:t>
+            </a:r>
+          </a:p>
+          <a:p>
+            <a:r>
+              <a:rPr lang="en-US" altLang="ko-KR" sz="1400" dirty="0">
+                <a:solidFill>
+                  <a:srgbClr val="515151"/>
+                </a:solidFill>
+                <a:latin typeface="Consolas" panose="020B0609020204030204" pitchFamily="49" charset="0"/>
+              </a:rPr>
+              <a:t>                                </a:t>
+            </a:r>
+            <a:r>
+              <a:rPr lang="en-US" altLang="ko-KR" sz="1400" b="0" dirty="0">
+                <a:solidFill>
+                  <a:srgbClr val="515151"/>
+                </a:solidFill>
+                <a:effectLst/>
+                <a:latin typeface="Consolas" panose="020B0609020204030204" pitchFamily="49" charset="0"/>
+              </a:rPr>
+              <a:t>(context) =&gt; </a:t>
+            </a:r>
+            <a:r>
+              <a:rPr lang="en-US" altLang="ko-KR" sz="1400" dirty="0">
+                <a:solidFill>
+                  <a:srgbClr val="FF0000"/>
+                </a:solidFill>
+                <a:latin typeface="Consolas" panose="020B0609020204030204" pitchFamily="49" charset="0"/>
+              </a:rPr>
+              <a:t>Second</a:t>
+            </a:r>
+            <a:r>
+              <a:rPr lang="en-US" altLang="ko-KR" sz="1400" b="0" dirty="0">
+                <a:solidFill>
+                  <a:srgbClr val="FF0000"/>
+                </a:solidFill>
+                <a:effectLst/>
+                <a:latin typeface="Consolas" panose="020B0609020204030204" pitchFamily="49" charset="0"/>
+              </a:rPr>
+              <a:t>Page()</a:t>
+            </a:r>
+            <a:r>
+              <a:rPr lang="en-US" altLang="ko-KR" sz="1400" b="0" dirty="0">
+                <a:solidFill>
+                  <a:srgbClr val="515151"/>
+                </a:solidFill>
+                <a:effectLst/>
+                <a:latin typeface="Consolas" panose="020B0609020204030204" pitchFamily="49" charset="0"/>
+              </a:rPr>
+              <a:t>));</a:t>
+            </a:r>
+            <a:endParaRPr lang="en-US" altLang="ko-KR" sz="1400" b="0" dirty="0">
+              <a:solidFill>
+                <a:srgbClr val="292929"/>
+              </a:solidFill>
+              <a:effectLst/>
+              <a:latin typeface="Consolas" panose="020B0609020204030204" pitchFamily="49" charset="0"/>
+            </a:endParaRPr>
+          </a:p>
+          <a:p>
+            <a:endParaRPr lang="en-US" altLang="ko-KR" sz="1400" b="0" dirty="0">
+              <a:solidFill>
+                <a:srgbClr val="292929"/>
+              </a:solidFill>
+              <a:effectLst/>
+              <a:latin typeface="Consolas" panose="020B0609020204030204" pitchFamily="49" charset="0"/>
+            </a:endParaRPr>
+          </a:p>
+          <a:p>
+            <a:r>
+              <a:rPr lang="en-US" altLang="ko-KR" sz="1400" dirty="0">
+                <a:solidFill>
+                  <a:srgbClr val="292929"/>
+                </a:solidFill>
+                <a:latin typeface="Consolas" panose="020B0609020204030204" pitchFamily="49" charset="0"/>
+              </a:rPr>
+              <a:t>2. </a:t>
+            </a:r>
+            <a:r>
+              <a:rPr lang="ko-KR" altLang="en-US" sz="1400" dirty="0">
+                <a:solidFill>
+                  <a:srgbClr val="292929"/>
+                </a:solidFill>
+                <a:latin typeface="Consolas" panose="020B0609020204030204" pitchFamily="49" charset="0"/>
+              </a:rPr>
+              <a:t>이전 </a:t>
+            </a:r>
+            <a:r>
+              <a:rPr lang="en-US" altLang="ko-KR" sz="1400" dirty="0">
+                <a:solidFill>
+                  <a:srgbClr val="292929"/>
+                </a:solidFill>
+                <a:latin typeface="Consolas" panose="020B0609020204030204" pitchFamily="49" charset="0"/>
+              </a:rPr>
+              <a:t>Page</a:t>
+            </a:r>
+            <a:r>
+              <a:rPr lang="ko-KR" altLang="en-US" sz="1400" dirty="0">
+                <a:solidFill>
+                  <a:srgbClr val="292929"/>
+                </a:solidFill>
+                <a:latin typeface="Consolas" panose="020B0609020204030204" pitchFamily="49" charset="0"/>
+              </a:rPr>
+              <a:t>이 복귀 시</a:t>
+            </a:r>
+            <a:endParaRPr lang="en-US" altLang="ko-KR" sz="1400" dirty="0">
+              <a:solidFill>
+                <a:srgbClr val="292929"/>
+              </a:solidFill>
+              <a:latin typeface="Consolas" panose="020B0609020204030204" pitchFamily="49" charset="0"/>
+            </a:endParaRPr>
+          </a:p>
+          <a:p>
+            <a:r>
+              <a:rPr lang="en-US" altLang="ko-KR" sz="1400" b="0" dirty="0">
+                <a:solidFill>
+                  <a:srgbClr val="185E73"/>
+                </a:solidFill>
+                <a:effectLst/>
+                <a:latin typeface="Consolas" panose="020B0609020204030204" pitchFamily="49" charset="0"/>
+              </a:rPr>
+              <a:t>  Navigator</a:t>
+            </a:r>
+            <a:r>
+              <a:rPr lang="en-US" altLang="ko-KR" sz="1400" b="0" dirty="0">
+                <a:solidFill>
+                  <a:srgbClr val="292929"/>
+                </a:solidFill>
+                <a:effectLst/>
+                <a:latin typeface="Consolas" panose="020B0609020204030204" pitchFamily="49" charset="0"/>
+              </a:rPr>
+              <a:t>.</a:t>
+            </a:r>
+            <a:r>
+              <a:rPr lang="en-US" altLang="ko-KR" sz="1400" b="0" dirty="0">
+                <a:solidFill>
+                  <a:srgbClr val="5E2CBC"/>
+                </a:solidFill>
+                <a:effectLst/>
+                <a:latin typeface="Consolas" panose="020B0609020204030204" pitchFamily="49" charset="0"/>
+              </a:rPr>
+              <a:t>of</a:t>
+            </a:r>
+            <a:r>
+              <a:rPr lang="en-US" altLang="ko-KR" sz="1400" b="0" dirty="0">
+                <a:solidFill>
+                  <a:srgbClr val="292929"/>
+                </a:solidFill>
+                <a:effectLst/>
+                <a:latin typeface="Consolas" panose="020B0609020204030204" pitchFamily="49" charset="0"/>
+              </a:rPr>
+              <a:t>(context).</a:t>
+            </a:r>
+            <a:r>
+              <a:rPr lang="en-US" altLang="ko-KR" sz="1400" b="0" dirty="0">
+                <a:solidFill>
+                  <a:srgbClr val="5E2CBC"/>
+                </a:solidFill>
+                <a:effectLst/>
+                <a:latin typeface="Consolas" panose="020B0609020204030204" pitchFamily="49" charset="0"/>
+              </a:rPr>
+              <a:t>pop</a:t>
+            </a:r>
+            <a:r>
+              <a:rPr lang="en-US" altLang="ko-KR" sz="1400" b="0" dirty="0">
+                <a:solidFill>
+                  <a:srgbClr val="292929"/>
+                </a:solidFill>
+                <a:effectLst/>
+                <a:latin typeface="Consolas" panose="020B0609020204030204" pitchFamily="49" charset="0"/>
+              </a:rPr>
+              <a:t>()</a:t>
+            </a:r>
+          </a:p>
+        </p:txBody>
+      </p:sp>
+      <p:sp>
+        <p:nvSpPr>
+          <p:cNvPr id="17" name="직사각형 16">
+            <a:extLst>
+              <a:ext uri="{FF2B5EF4-FFF2-40B4-BE49-F238E27FC236}">
+                <a16:creationId xmlns:a16="http://schemas.microsoft.com/office/drawing/2014/main" id="{49951C40-5064-6F71-84A7-89D705341EB3}"/>
+              </a:ext>
+            </a:extLst>
+          </p:cNvPr>
+          <p:cNvSpPr/>
+          <p:nvPr/>
+        </p:nvSpPr>
+        <p:spPr>
+          <a:xfrm>
+            <a:off x="895349" y="718579"/>
+            <a:ext cx="7496175" cy="2126640"/>
+          </a:xfrm>
+          <a:prstGeom prst="rect">
+            <a:avLst/>
+          </a:prstGeom>
+          <a:noFill/>
+        </p:spPr>
+        <p:style>
+          <a:lnRef idx="2">
+            <a:schemeClr val="accent1">
+              <a:shade val="50000"/>
+            </a:schemeClr>
+          </a:lnRef>
+          <a:fillRef idx="1">
+            <a:schemeClr val="accent1"/>
+          </a:fillRef>
+          <a:effectRef idx="0">
+            <a:schemeClr val="accent1"/>
+          </a:effectRef>
+          <a:fontRef idx="minor">
+            <a:schemeClr val="lt1"/>
+          </a:fontRef>
+        </p:style>
+        <p:txBody>
+          <a:bodyPr rtlCol="0" anchor="ctr"/>
+          <a:lstStyle/>
+          <a:p>
+            <a:pPr algn="ctr"/>
+            <a:endParaRPr lang="ko-KR" altLang="en-US"/>
+          </a:p>
+        </p:txBody>
+      </p:sp>
     </p:spTree>
     <p:extLst>
       <p:ext uri="{BB962C8B-B14F-4D97-AF65-F5344CB8AC3E}">
-        <p14:creationId xmlns:p14="http://schemas.microsoft.com/office/powerpoint/2010/main" val="2434115725"/>
+        <p14:creationId xmlns:p14="http://schemas.microsoft.com/office/powerpoint/2010/main" val="1586530100"/>
       </p:ext>
     </p:extLst>
   </p:cSld>
@@ -3386,6 +4392,1006 @@
           <a:chExt cx="0" cy="0"/>
         </a:xfrm>
       </p:grpSpPr>
+      <p:sp>
+        <p:nvSpPr>
+          <p:cNvPr id="2" name="TextBox 1">
+            <a:extLst>
+              <a:ext uri="{FF2B5EF4-FFF2-40B4-BE49-F238E27FC236}">
+                <a16:creationId xmlns:a16="http://schemas.microsoft.com/office/drawing/2014/main" id="{875A07E9-E8B8-6E45-E73C-6E9360351B28}"/>
+              </a:ext>
+            </a:extLst>
+          </p:cNvPr>
+          <p:cNvSpPr txBox="1"/>
+          <p:nvPr/>
+        </p:nvSpPr>
+        <p:spPr>
+          <a:xfrm>
+            <a:off x="387695" y="318967"/>
+            <a:ext cx="3308726" cy="369332"/>
+          </a:xfrm>
+          <a:prstGeom prst="rect">
+            <a:avLst/>
+          </a:prstGeom>
+          <a:noFill/>
+        </p:spPr>
+        <p:txBody>
+          <a:bodyPr wrap="none" rtlCol="0">
+            <a:spAutoFit/>
+          </a:bodyPr>
+          <a:lstStyle/>
+          <a:p>
+            <a:r>
+              <a:rPr lang="en-US" altLang="ko-KR" dirty="0"/>
+              <a:t>navigator_step110_routes.dart</a:t>
+            </a:r>
+            <a:endParaRPr lang="ko-KR" altLang="en-US" dirty="0"/>
+          </a:p>
+        </p:txBody>
+      </p:sp>
+      <p:sp>
+        <p:nvSpPr>
+          <p:cNvPr id="3" name="직사각형 2">
+            <a:extLst>
+              <a:ext uri="{FF2B5EF4-FFF2-40B4-BE49-F238E27FC236}">
+                <a16:creationId xmlns:a16="http://schemas.microsoft.com/office/drawing/2014/main" id="{115011DE-F44B-2865-6433-262D6E72F811}"/>
+              </a:ext>
+            </a:extLst>
+          </p:cNvPr>
+          <p:cNvSpPr/>
+          <p:nvPr/>
+        </p:nvSpPr>
+        <p:spPr>
+          <a:xfrm>
+            <a:off x="1023042" y="841027"/>
+            <a:ext cx="1086416" cy="369332"/>
+          </a:xfrm>
+          <a:prstGeom prst="rect">
+            <a:avLst/>
+          </a:prstGeom>
+          <a:noFill/>
+        </p:spPr>
+        <p:style>
+          <a:lnRef idx="2">
+            <a:schemeClr val="accent1">
+              <a:shade val="50000"/>
+            </a:schemeClr>
+          </a:lnRef>
+          <a:fillRef idx="1">
+            <a:schemeClr val="accent1"/>
+          </a:fillRef>
+          <a:effectRef idx="0">
+            <a:schemeClr val="accent1"/>
+          </a:effectRef>
+          <a:fontRef idx="minor">
+            <a:schemeClr val="lt1"/>
+          </a:fontRef>
+        </p:style>
+        <p:txBody>
+          <a:bodyPr rtlCol="0" anchor="ctr"/>
+          <a:lstStyle/>
+          <a:p>
+            <a:pPr algn="ctr"/>
+            <a:r>
+              <a:rPr lang="en-US" altLang="ko-KR" sz="1050" dirty="0">
+                <a:solidFill>
+                  <a:schemeClr val="tx1"/>
+                </a:solidFill>
+              </a:rPr>
+              <a:t>HomePage</a:t>
+            </a:r>
+            <a:endParaRPr lang="ko-KR" altLang="en-US" sz="1050" dirty="0">
+              <a:solidFill>
+                <a:schemeClr val="tx1"/>
+              </a:solidFill>
+            </a:endParaRPr>
+          </a:p>
+        </p:txBody>
+      </p:sp>
+      <p:sp>
+        <p:nvSpPr>
+          <p:cNvPr id="4" name="직사각형 3">
+            <a:extLst>
+              <a:ext uri="{FF2B5EF4-FFF2-40B4-BE49-F238E27FC236}">
+                <a16:creationId xmlns:a16="http://schemas.microsoft.com/office/drawing/2014/main" id="{A0CE4AC4-9B61-BC95-934C-1CB6D3DD8B0D}"/>
+              </a:ext>
+            </a:extLst>
+          </p:cNvPr>
+          <p:cNvSpPr/>
+          <p:nvPr/>
+        </p:nvSpPr>
+        <p:spPr>
+          <a:xfrm>
+            <a:off x="1023042" y="1673946"/>
+            <a:ext cx="1086416" cy="369332"/>
+          </a:xfrm>
+          <a:prstGeom prst="rect">
+            <a:avLst/>
+          </a:prstGeom>
+          <a:noFill/>
+        </p:spPr>
+        <p:style>
+          <a:lnRef idx="2">
+            <a:schemeClr val="accent1">
+              <a:shade val="50000"/>
+            </a:schemeClr>
+          </a:lnRef>
+          <a:fillRef idx="1">
+            <a:schemeClr val="accent1"/>
+          </a:fillRef>
+          <a:effectRef idx="0">
+            <a:schemeClr val="accent1"/>
+          </a:effectRef>
+          <a:fontRef idx="minor">
+            <a:schemeClr val="lt1"/>
+          </a:fontRef>
+        </p:style>
+        <p:txBody>
+          <a:bodyPr rtlCol="0" anchor="ctr"/>
+          <a:lstStyle/>
+          <a:p>
+            <a:pPr algn="ctr"/>
+            <a:r>
+              <a:rPr lang="en-US" altLang="ko-KR" sz="1050" dirty="0">
+                <a:solidFill>
+                  <a:schemeClr val="tx1"/>
+                </a:solidFill>
+              </a:rPr>
+              <a:t>FirstPage</a:t>
+            </a:r>
+            <a:endParaRPr lang="ko-KR" altLang="en-US" sz="1050" dirty="0">
+              <a:solidFill>
+                <a:schemeClr val="tx1"/>
+              </a:solidFill>
+            </a:endParaRPr>
+          </a:p>
+        </p:txBody>
+      </p:sp>
+      <p:sp>
+        <p:nvSpPr>
+          <p:cNvPr id="5" name="직사각형 4">
+            <a:extLst>
+              <a:ext uri="{FF2B5EF4-FFF2-40B4-BE49-F238E27FC236}">
+                <a16:creationId xmlns:a16="http://schemas.microsoft.com/office/drawing/2014/main" id="{71650343-2024-F7FF-B5C9-15F5295FC8D3}"/>
+              </a:ext>
+            </a:extLst>
+          </p:cNvPr>
+          <p:cNvSpPr/>
+          <p:nvPr/>
+        </p:nvSpPr>
+        <p:spPr>
+          <a:xfrm>
+            <a:off x="1023042" y="2506865"/>
+            <a:ext cx="1086416" cy="369332"/>
+          </a:xfrm>
+          <a:prstGeom prst="rect">
+            <a:avLst/>
+          </a:prstGeom>
+          <a:noFill/>
+        </p:spPr>
+        <p:style>
+          <a:lnRef idx="2">
+            <a:schemeClr val="accent1">
+              <a:shade val="50000"/>
+            </a:schemeClr>
+          </a:lnRef>
+          <a:fillRef idx="1">
+            <a:schemeClr val="accent1"/>
+          </a:fillRef>
+          <a:effectRef idx="0">
+            <a:schemeClr val="accent1"/>
+          </a:effectRef>
+          <a:fontRef idx="minor">
+            <a:schemeClr val="lt1"/>
+          </a:fontRef>
+        </p:style>
+        <p:txBody>
+          <a:bodyPr rtlCol="0" anchor="ctr"/>
+          <a:lstStyle/>
+          <a:p>
+            <a:pPr algn="ctr"/>
+            <a:r>
+              <a:rPr lang="en-US" altLang="ko-KR" sz="1050" dirty="0">
+                <a:solidFill>
+                  <a:schemeClr val="tx1"/>
+                </a:solidFill>
+              </a:rPr>
+              <a:t>SecondPage</a:t>
+            </a:r>
+            <a:endParaRPr lang="ko-KR" altLang="en-US" sz="1050" dirty="0">
+              <a:solidFill>
+                <a:schemeClr val="tx1"/>
+              </a:solidFill>
+            </a:endParaRPr>
+          </a:p>
+        </p:txBody>
+      </p:sp>
+      <p:cxnSp>
+        <p:nvCxnSpPr>
+          <p:cNvPr id="6" name="직선 화살표 연결선 5">
+            <a:extLst>
+              <a:ext uri="{FF2B5EF4-FFF2-40B4-BE49-F238E27FC236}">
+                <a16:creationId xmlns:a16="http://schemas.microsoft.com/office/drawing/2014/main" id="{3317357D-DAA8-A639-BA39-9AD1EC0D41E1}"/>
+              </a:ext>
+            </a:extLst>
+          </p:cNvPr>
+          <p:cNvCxnSpPr>
+            <a:cxnSpLocks/>
+          </p:cNvCxnSpPr>
+          <p:nvPr/>
+        </p:nvCxnSpPr>
+        <p:spPr>
+          <a:xfrm>
+            <a:off x="1367074" y="1210359"/>
+            <a:ext cx="0" cy="463587"/>
+          </a:xfrm>
+          <a:prstGeom prst="straightConnector1">
+            <a:avLst/>
+          </a:prstGeom>
+          <a:ln>
+            <a:tailEnd type="triangle"/>
+          </a:ln>
+        </p:spPr>
+        <p:style>
+          <a:lnRef idx="1">
+            <a:schemeClr val="accent1"/>
+          </a:lnRef>
+          <a:fillRef idx="0">
+            <a:schemeClr val="accent1"/>
+          </a:fillRef>
+          <a:effectRef idx="0">
+            <a:schemeClr val="accent1"/>
+          </a:effectRef>
+          <a:fontRef idx="minor">
+            <a:schemeClr val="tx1"/>
+          </a:fontRef>
+        </p:style>
+      </p:cxnSp>
+      <p:cxnSp>
+        <p:nvCxnSpPr>
+          <p:cNvPr id="7" name="직선 화살표 연결선 6">
+            <a:extLst>
+              <a:ext uri="{FF2B5EF4-FFF2-40B4-BE49-F238E27FC236}">
+                <a16:creationId xmlns:a16="http://schemas.microsoft.com/office/drawing/2014/main" id="{9180A308-32CA-CE2F-4C41-507A5AC5D35B}"/>
+              </a:ext>
+            </a:extLst>
+          </p:cNvPr>
+          <p:cNvCxnSpPr>
+            <a:cxnSpLocks/>
+          </p:cNvCxnSpPr>
+          <p:nvPr/>
+        </p:nvCxnSpPr>
+        <p:spPr>
+          <a:xfrm>
+            <a:off x="1385181" y="2043278"/>
+            <a:ext cx="0" cy="463587"/>
+          </a:xfrm>
+          <a:prstGeom prst="straightConnector1">
+            <a:avLst/>
+          </a:prstGeom>
+          <a:ln>
+            <a:tailEnd type="triangle"/>
+          </a:ln>
+        </p:spPr>
+        <p:style>
+          <a:lnRef idx="1">
+            <a:schemeClr val="accent1"/>
+          </a:lnRef>
+          <a:fillRef idx="0">
+            <a:schemeClr val="accent1"/>
+          </a:fillRef>
+          <a:effectRef idx="0">
+            <a:schemeClr val="accent1"/>
+          </a:effectRef>
+          <a:fontRef idx="minor">
+            <a:schemeClr val="tx1"/>
+          </a:fontRef>
+        </p:style>
+      </p:cxnSp>
+      <p:cxnSp>
+        <p:nvCxnSpPr>
+          <p:cNvPr id="8" name="직선 화살표 연결선 7">
+            <a:extLst>
+              <a:ext uri="{FF2B5EF4-FFF2-40B4-BE49-F238E27FC236}">
+                <a16:creationId xmlns:a16="http://schemas.microsoft.com/office/drawing/2014/main" id="{68C35D07-A949-844E-B0AE-95A86EA7DC5D}"/>
+              </a:ext>
+            </a:extLst>
+          </p:cNvPr>
+          <p:cNvCxnSpPr/>
+          <p:nvPr/>
+        </p:nvCxnSpPr>
+        <p:spPr>
+          <a:xfrm flipV="1">
+            <a:off x="1801640" y="1210359"/>
+            <a:ext cx="0" cy="463587"/>
+          </a:xfrm>
+          <a:prstGeom prst="straightConnector1">
+            <a:avLst/>
+          </a:prstGeom>
+          <a:ln>
+            <a:tailEnd type="triangle"/>
+          </a:ln>
+        </p:spPr>
+        <p:style>
+          <a:lnRef idx="1">
+            <a:schemeClr val="accent1"/>
+          </a:lnRef>
+          <a:fillRef idx="0">
+            <a:schemeClr val="accent1"/>
+          </a:fillRef>
+          <a:effectRef idx="0">
+            <a:schemeClr val="accent1"/>
+          </a:effectRef>
+          <a:fontRef idx="minor">
+            <a:schemeClr val="tx1"/>
+          </a:fontRef>
+        </p:style>
+      </p:cxnSp>
+      <p:cxnSp>
+        <p:nvCxnSpPr>
+          <p:cNvPr id="9" name="직선 화살표 연결선 8">
+            <a:extLst>
+              <a:ext uri="{FF2B5EF4-FFF2-40B4-BE49-F238E27FC236}">
+                <a16:creationId xmlns:a16="http://schemas.microsoft.com/office/drawing/2014/main" id="{E73DC721-504A-9B9C-1A98-AB9B99766011}"/>
+              </a:ext>
+            </a:extLst>
+          </p:cNvPr>
+          <p:cNvCxnSpPr>
+            <a:cxnSpLocks/>
+          </p:cNvCxnSpPr>
+          <p:nvPr/>
+        </p:nvCxnSpPr>
+        <p:spPr>
+          <a:xfrm flipV="1">
+            <a:off x="1783533" y="2043278"/>
+            <a:ext cx="0" cy="463587"/>
+          </a:xfrm>
+          <a:prstGeom prst="straightConnector1">
+            <a:avLst/>
+          </a:prstGeom>
+          <a:ln>
+            <a:tailEnd type="triangle"/>
+          </a:ln>
+        </p:spPr>
+        <p:style>
+          <a:lnRef idx="1">
+            <a:schemeClr val="accent1"/>
+          </a:lnRef>
+          <a:fillRef idx="0">
+            <a:schemeClr val="accent1"/>
+          </a:fillRef>
+          <a:effectRef idx="0">
+            <a:schemeClr val="accent1"/>
+          </a:effectRef>
+          <a:fontRef idx="minor">
+            <a:schemeClr val="tx1"/>
+          </a:fontRef>
+        </p:style>
+      </p:cxnSp>
+      <p:sp>
+        <p:nvSpPr>
+          <p:cNvPr id="10" name="TextBox 9">
+            <a:extLst>
+              <a:ext uri="{FF2B5EF4-FFF2-40B4-BE49-F238E27FC236}">
+                <a16:creationId xmlns:a16="http://schemas.microsoft.com/office/drawing/2014/main" id="{4AD634AD-0D90-C9AC-76EF-7EF87B0AEE76}"/>
+              </a:ext>
+            </a:extLst>
+          </p:cNvPr>
+          <p:cNvSpPr txBox="1"/>
+          <p:nvPr/>
+        </p:nvSpPr>
+        <p:spPr>
+          <a:xfrm>
+            <a:off x="2390114" y="794534"/>
+            <a:ext cx="5097102" cy="3539430"/>
+          </a:xfrm>
+          <a:prstGeom prst="rect">
+            <a:avLst/>
+          </a:prstGeom>
+          <a:noFill/>
+        </p:spPr>
+        <p:txBody>
+          <a:bodyPr wrap="square">
+            <a:spAutoFit/>
+          </a:bodyPr>
+          <a:lstStyle/>
+          <a:p>
+            <a:r>
+              <a:rPr lang="en-US" altLang="ko-KR" sz="1400" b="0" dirty="0">
+                <a:solidFill>
+                  <a:srgbClr val="515151"/>
+                </a:solidFill>
+                <a:effectLst/>
+                <a:latin typeface="Consolas" panose="020B0609020204030204" pitchFamily="49" charset="0"/>
+              </a:rPr>
+              <a:t>1. r</a:t>
+            </a:r>
+            <a:r>
+              <a:rPr lang="en-US" altLang="ko-KR" sz="1400" dirty="0">
+                <a:solidFill>
+                  <a:srgbClr val="515151"/>
+                </a:solidFill>
+                <a:latin typeface="Consolas" panose="020B0609020204030204" pitchFamily="49" charset="0"/>
+              </a:rPr>
+              <a:t>outes </a:t>
+            </a:r>
+            <a:r>
+              <a:rPr lang="ko-KR" altLang="en-US" sz="1400" dirty="0">
+                <a:solidFill>
+                  <a:srgbClr val="515151"/>
+                </a:solidFill>
+                <a:latin typeface="Consolas" panose="020B0609020204030204" pitchFamily="49" charset="0"/>
+              </a:rPr>
+              <a:t>속성 정의</a:t>
+            </a:r>
+            <a:endParaRPr lang="en-US" altLang="ko-KR" sz="1400" b="0" dirty="0">
+              <a:solidFill>
+                <a:srgbClr val="515151"/>
+              </a:solidFill>
+              <a:effectLst/>
+              <a:latin typeface="Consolas" panose="020B0609020204030204" pitchFamily="49" charset="0"/>
+            </a:endParaRPr>
+          </a:p>
+          <a:p>
+            <a:endParaRPr lang="en-US" altLang="ko-KR" sz="1400" b="0" dirty="0">
+              <a:solidFill>
+                <a:srgbClr val="292929"/>
+              </a:solidFill>
+              <a:effectLst/>
+              <a:latin typeface="Consolas" panose="020B0609020204030204" pitchFamily="49" charset="0"/>
+            </a:endParaRPr>
+          </a:p>
+          <a:p>
+            <a:endParaRPr lang="en-US" altLang="ko-KR" sz="1400" dirty="0">
+              <a:solidFill>
+                <a:srgbClr val="292929"/>
+              </a:solidFill>
+              <a:latin typeface="Consolas" panose="020B0609020204030204" pitchFamily="49" charset="0"/>
+            </a:endParaRPr>
+          </a:p>
+          <a:p>
+            <a:endParaRPr lang="en-US" altLang="ko-KR" sz="1400" b="0" dirty="0">
+              <a:solidFill>
+                <a:srgbClr val="292929"/>
+              </a:solidFill>
+              <a:effectLst/>
+              <a:latin typeface="Consolas" panose="020B0609020204030204" pitchFamily="49" charset="0"/>
+            </a:endParaRPr>
+          </a:p>
+          <a:p>
+            <a:endParaRPr lang="en-US" altLang="ko-KR" sz="1400" dirty="0">
+              <a:solidFill>
+                <a:srgbClr val="292929"/>
+              </a:solidFill>
+              <a:latin typeface="Consolas" panose="020B0609020204030204" pitchFamily="49" charset="0"/>
+            </a:endParaRPr>
+          </a:p>
+          <a:p>
+            <a:endParaRPr lang="en-US" altLang="ko-KR" sz="1400" dirty="0">
+              <a:solidFill>
+                <a:srgbClr val="292929"/>
+              </a:solidFill>
+              <a:latin typeface="Consolas" panose="020B0609020204030204" pitchFamily="49" charset="0"/>
+            </a:endParaRPr>
+          </a:p>
+          <a:p>
+            <a:endParaRPr lang="en-US" altLang="ko-KR" sz="1400" dirty="0">
+              <a:solidFill>
+                <a:srgbClr val="292929"/>
+              </a:solidFill>
+              <a:latin typeface="Consolas" panose="020B0609020204030204" pitchFamily="49" charset="0"/>
+            </a:endParaRPr>
+          </a:p>
+          <a:p>
+            <a:endParaRPr lang="en-US" altLang="ko-KR" sz="1400" dirty="0">
+              <a:solidFill>
+                <a:srgbClr val="292929"/>
+              </a:solidFill>
+              <a:latin typeface="Consolas" panose="020B0609020204030204" pitchFamily="49" charset="0"/>
+            </a:endParaRPr>
+          </a:p>
+          <a:p>
+            <a:endParaRPr lang="en-US" altLang="ko-KR" sz="1400" dirty="0">
+              <a:solidFill>
+                <a:srgbClr val="292929"/>
+              </a:solidFill>
+              <a:latin typeface="Consolas" panose="020B0609020204030204" pitchFamily="49" charset="0"/>
+            </a:endParaRPr>
+          </a:p>
+          <a:p>
+            <a:endParaRPr lang="en-US" altLang="ko-KR" sz="1400" b="0" dirty="0">
+              <a:solidFill>
+                <a:srgbClr val="292929"/>
+              </a:solidFill>
+              <a:effectLst/>
+              <a:latin typeface="Consolas" panose="020B0609020204030204" pitchFamily="49" charset="0"/>
+            </a:endParaRPr>
+          </a:p>
+          <a:p>
+            <a:endParaRPr lang="en-US" altLang="ko-KR" sz="1400" dirty="0">
+              <a:solidFill>
+                <a:srgbClr val="292929"/>
+              </a:solidFill>
+              <a:latin typeface="Consolas" panose="020B0609020204030204" pitchFamily="49" charset="0"/>
+            </a:endParaRPr>
+          </a:p>
+          <a:p>
+            <a:r>
+              <a:rPr lang="en-US" altLang="ko-KR" sz="1400" b="0" dirty="0">
+                <a:solidFill>
+                  <a:srgbClr val="292929"/>
+                </a:solidFill>
+                <a:effectLst/>
+                <a:latin typeface="Consolas" panose="020B0609020204030204" pitchFamily="49" charset="0"/>
+              </a:rPr>
+              <a:t>2. Page</a:t>
+            </a:r>
+            <a:r>
+              <a:rPr lang="ko-KR" altLang="en-US" sz="1400" b="0" dirty="0">
+                <a:solidFill>
+                  <a:srgbClr val="292929"/>
+                </a:solidFill>
+                <a:effectLst/>
+                <a:latin typeface="Consolas" panose="020B0609020204030204" pitchFamily="49" charset="0"/>
+              </a:rPr>
+              <a:t>이동 </a:t>
+            </a:r>
+            <a:r>
+              <a:rPr lang="en-US" altLang="ko-KR" sz="1400" b="0" dirty="0">
+                <a:solidFill>
+                  <a:srgbClr val="292929"/>
+                </a:solidFill>
+                <a:effectLst/>
+                <a:latin typeface="Consolas" panose="020B0609020204030204" pitchFamily="49" charset="0"/>
+              </a:rPr>
+              <a:t>– </a:t>
+            </a:r>
+            <a:r>
+              <a:rPr lang="en-US" altLang="ko-KR" sz="1400" b="0" dirty="0">
+                <a:solidFill>
+                  <a:srgbClr val="515151"/>
+                </a:solidFill>
+                <a:effectLst/>
+                <a:latin typeface="Consolas" panose="020B0609020204030204" pitchFamily="49" charset="0"/>
+              </a:rPr>
+              <a:t>Named route</a:t>
+            </a:r>
+            <a:r>
+              <a:rPr lang="ko-KR" altLang="en-US" sz="1400" b="0" dirty="0">
+                <a:solidFill>
+                  <a:srgbClr val="515151"/>
+                </a:solidFill>
+                <a:effectLst/>
+                <a:latin typeface="Consolas" panose="020B0609020204030204" pitchFamily="49" charset="0"/>
+              </a:rPr>
+              <a:t>를 사용하여 화면 전환</a:t>
+            </a:r>
+            <a:endParaRPr lang="en-US" altLang="ko-KR" sz="1400" b="0" dirty="0">
+              <a:solidFill>
+                <a:srgbClr val="292929"/>
+              </a:solidFill>
+              <a:effectLst/>
+              <a:latin typeface="Consolas" panose="020B0609020204030204" pitchFamily="49" charset="0"/>
+            </a:endParaRPr>
+          </a:p>
+          <a:p>
+            <a:r>
+              <a:rPr lang="en-US" altLang="ko-KR" sz="1400" b="0" dirty="0">
+                <a:solidFill>
+                  <a:srgbClr val="185E73"/>
+                </a:solidFill>
+                <a:effectLst/>
+                <a:latin typeface="Consolas" panose="020B0609020204030204" pitchFamily="49" charset="0"/>
+              </a:rPr>
+              <a:t>   Navigator</a:t>
+            </a:r>
+            <a:r>
+              <a:rPr lang="en-US" altLang="ko-KR" sz="1400" b="0" dirty="0">
+                <a:solidFill>
+                  <a:srgbClr val="292929"/>
+                </a:solidFill>
+                <a:effectLst/>
+                <a:latin typeface="Consolas" panose="020B0609020204030204" pitchFamily="49" charset="0"/>
+              </a:rPr>
+              <a:t>.</a:t>
+            </a:r>
+            <a:r>
+              <a:rPr lang="en-US" altLang="ko-KR" sz="1400" b="0" dirty="0">
+                <a:solidFill>
+                  <a:srgbClr val="5E2CBC"/>
+                </a:solidFill>
+                <a:effectLst/>
+                <a:latin typeface="Consolas" panose="020B0609020204030204" pitchFamily="49" charset="0"/>
+              </a:rPr>
+              <a:t>of</a:t>
+            </a:r>
+            <a:r>
+              <a:rPr lang="en-US" altLang="ko-KR" sz="1400" b="0" dirty="0">
+                <a:solidFill>
+                  <a:srgbClr val="292929"/>
+                </a:solidFill>
+                <a:effectLst/>
+                <a:latin typeface="Consolas" panose="020B0609020204030204" pitchFamily="49" charset="0"/>
+              </a:rPr>
+              <a:t>(context).</a:t>
+            </a:r>
+            <a:r>
+              <a:rPr lang="en-US" altLang="ko-KR" sz="1400" b="0" dirty="0">
+                <a:solidFill>
+                  <a:srgbClr val="5E2CBC"/>
+                </a:solidFill>
+                <a:effectLst/>
+                <a:latin typeface="Consolas" panose="020B0609020204030204" pitchFamily="49" charset="0"/>
+              </a:rPr>
+              <a:t>pushNamed</a:t>
+            </a:r>
+            <a:r>
+              <a:rPr lang="en-US" altLang="ko-KR" sz="1400" b="0" dirty="0">
+                <a:solidFill>
+                  <a:srgbClr val="292929"/>
+                </a:solidFill>
+                <a:effectLst/>
+                <a:latin typeface="Consolas" panose="020B0609020204030204" pitchFamily="49" charset="0"/>
+              </a:rPr>
+              <a:t>(</a:t>
+            </a:r>
+            <a:r>
+              <a:rPr lang="en-US" altLang="ko-KR" sz="1400" b="0" dirty="0">
+                <a:solidFill>
+                  <a:srgbClr val="FF0000"/>
+                </a:solidFill>
+                <a:effectLst/>
+                <a:highlight>
+                  <a:srgbClr val="FFFF00"/>
+                </a:highlight>
+                <a:latin typeface="Consolas" panose="020B0609020204030204" pitchFamily="49" charset="0"/>
+              </a:rPr>
+              <a:t>‘/first’</a:t>
+            </a:r>
+            <a:r>
+              <a:rPr lang="en-US" altLang="ko-KR" sz="1400" b="0" dirty="0">
+                <a:solidFill>
+                  <a:srgbClr val="292929"/>
+                </a:solidFill>
+                <a:effectLst/>
+                <a:latin typeface="Consolas" panose="020B0609020204030204" pitchFamily="49" charset="0"/>
+              </a:rPr>
+              <a:t>);</a:t>
+            </a:r>
+          </a:p>
+          <a:p>
+            <a:endParaRPr lang="en-US" altLang="ko-KR" sz="1400" dirty="0">
+              <a:solidFill>
+                <a:srgbClr val="292929"/>
+              </a:solidFill>
+              <a:latin typeface="Consolas" panose="020B0609020204030204" pitchFamily="49" charset="0"/>
+            </a:endParaRPr>
+          </a:p>
+          <a:p>
+            <a:r>
+              <a:rPr lang="en-US" altLang="ko-KR" sz="1400" dirty="0">
+                <a:solidFill>
+                  <a:srgbClr val="292929"/>
+                </a:solidFill>
+                <a:latin typeface="Consolas" panose="020B0609020204030204" pitchFamily="49" charset="0"/>
+              </a:rPr>
+              <a:t>3. </a:t>
+            </a:r>
+            <a:r>
+              <a:rPr lang="ko-KR" altLang="en-US" sz="1400" dirty="0">
+                <a:solidFill>
+                  <a:srgbClr val="292929"/>
+                </a:solidFill>
+                <a:latin typeface="Consolas" panose="020B0609020204030204" pitchFamily="49" charset="0"/>
+              </a:rPr>
+              <a:t>이전 </a:t>
+            </a:r>
+            <a:r>
+              <a:rPr lang="en-US" altLang="ko-KR" sz="1400" dirty="0">
+                <a:solidFill>
+                  <a:srgbClr val="292929"/>
+                </a:solidFill>
+                <a:latin typeface="Consolas" panose="020B0609020204030204" pitchFamily="49" charset="0"/>
+              </a:rPr>
+              <a:t>Page</a:t>
+            </a:r>
+            <a:r>
+              <a:rPr lang="ko-KR" altLang="en-US" sz="1400" dirty="0">
+                <a:solidFill>
+                  <a:srgbClr val="292929"/>
+                </a:solidFill>
+                <a:latin typeface="Consolas" panose="020B0609020204030204" pitchFamily="49" charset="0"/>
+              </a:rPr>
+              <a:t>이 복귀 시</a:t>
+            </a:r>
+            <a:endParaRPr lang="en-US" altLang="ko-KR" sz="1400" dirty="0">
+              <a:solidFill>
+                <a:srgbClr val="292929"/>
+              </a:solidFill>
+              <a:latin typeface="Consolas" panose="020B0609020204030204" pitchFamily="49" charset="0"/>
+            </a:endParaRPr>
+          </a:p>
+          <a:p>
+            <a:r>
+              <a:rPr lang="en-US" altLang="ko-KR" sz="1400" b="0" dirty="0">
+                <a:solidFill>
+                  <a:srgbClr val="185E73"/>
+                </a:solidFill>
+                <a:effectLst/>
+                <a:latin typeface="Consolas" panose="020B0609020204030204" pitchFamily="49" charset="0"/>
+              </a:rPr>
+              <a:t>  Navigator</a:t>
+            </a:r>
+            <a:r>
+              <a:rPr lang="en-US" altLang="ko-KR" sz="1400" b="0" dirty="0">
+                <a:solidFill>
+                  <a:srgbClr val="292929"/>
+                </a:solidFill>
+                <a:effectLst/>
+                <a:latin typeface="Consolas" panose="020B0609020204030204" pitchFamily="49" charset="0"/>
+              </a:rPr>
+              <a:t>.</a:t>
+            </a:r>
+            <a:r>
+              <a:rPr lang="en-US" altLang="ko-KR" sz="1400" b="0" dirty="0">
+                <a:solidFill>
+                  <a:srgbClr val="5E2CBC"/>
+                </a:solidFill>
+                <a:effectLst/>
+                <a:latin typeface="Consolas" panose="020B0609020204030204" pitchFamily="49" charset="0"/>
+              </a:rPr>
+              <a:t>of</a:t>
+            </a:r>
+            <a:r>
+              <a:rPr lang="en-US" altLang="ko-KR" sz="1400" b="0" dirty="0">
+                <a:solidFill>
+                  <a:srgbClr val="292929"/>
+                </a:solidFill>
+                <a:effectLst/>
+                <a:latin typeface="Consolas" panose="020B0609020204030204" pitchFamily="49" charset="0"/>
+              </a:rPr>
+              <a:t>(context).</a:t>
+            </a:r>
+            <a:r>
+              <a:rPr lang="en-US" altLang="ko-KR" sz="1400" b="0" dirty="0">
+                <a:solidFill>
+                  <a:srgbClr val="5E2CBC"/>
+                </a:solidFill>
+                <a:effectLst/>
+                <a:latin typeface="Consolas" panose="020B0609020204030204" pitchFamily="49" charset="0"/>
+              </a:rPr>
+              <a:t>pop</a:t>
+            </a:r>
+            <a:r>
+              <a:rPr lang="en-US" altLang="ko-KR" sz="1400" b="0" dirty="0">
+                <a:solidFill>
+                  <a:srgbClr val="292929"/>
+                </a:solidFill>
+                <a:effectLst/>
+                <a:latin typeface="Consolas" panose="020B0609020204030204" pitchFamily="49" charset="0"/>
+              </a:rPr>
+              <a:t>()</a:t>
+            </a:r>
+          </a:p>
+        </p:txBody>
+      </p:sp>
+      <p:sp>
+        <p:nvSpPr>
+          <p:cNvPr id="11" name="직사각형 10">
+            <a:extLst>
+              <a:ext uri="{FF2B5EF4-FFF2-40B4-BE49-F238E27FC236}">
+                <a16:creationId xmlns:a16="http://schemas.microsoft.com/office/drawing/2014/main" id="{5619C7B2-251F-FE4E-5582-36DBA558CD6B}"/>
+              </a:ext>
+            </a:extLst>
+          </p:cNvPr>
+          <p:cNvSpPr/>
+          <p:nvPr/>
+        </p:nvSpPr>
+        <p:spPr>
+          <a:xfrm>
+            <a:off x="949671" y="751440"/>
+            <a:ext cx="6700508" cy="3664002"/>
+          </a:xfrm>
+          <a:prstGeom prst="rect">
+            <a:avLst/>
+          </a:prstGeom>
+          <a:noFill/>
+        </p:spPr>
+        <p:style>
+          <a:lnRef idx="2">
+            <a:schemeClr val="accent1">
+              <a:shade val="50000"/>
+            </a:schemeClr>
+          </a:lnRef>
+          <a:fillRef idx="1">
+            <a:schemeClr val="accent1"/>
+          </a:fillRef>
+          <a:effectRef idx="0">
+            <a:schemeClr val="accent1"/>
+          </a:effectRef>
+          <a:fontRef idx="minor">
+            <a:schemeClr val="lt1"/>
+          </a:fontRef>
+        </p:style>
+        <p:txBody>
+          <a:bodyPr rtlCol="0" anchor="ctr"/>
+          <a:lstStyle/>
+          <a:p>
+            <a:pPr algn="ctr"/>
+            <a:endParaRPr lang="ko-KR" altLang="en-US"/>
+          </a:p>
+        </p:txBody>
+      </p:sp>
+      <p:sp>
+        <p:nvSpPr>
+          <p:cNvPr id="12" name="직사각형 11">
+            <a:extLst>
+              <a:ext uri="{FF2B5EF4-FFF2-40B4-BE49-F238E27FC236}">
+                <a16:creationId xmlns:a16="http://schemas.microsoft.com/office/drawing/2014/main" id="{9B522F7A-7EE2-A8E8-563A-AA25E4066DD2}"/>
+              </a:ext>
+            </a:extLst>
+          </p:cNvPr>
+          <p:cNvSpPr/>
+          <p:nvPr/>
+        </p:nvSpPr>
+        <p:spPr>
+          <a:xfrm>
+            <a:off x="1023042" y="3352556"/>
+            <a:ext cx="1086416" cy="369332"/>
+          </a:xfrm>
+          <a:prstGeom prst="rect">
+            <a:avLst/>
+          </a:prstGeom>
+          <a:noFill/>
+        </p:spPr>
+        <p:style>
+          <a:lnRef idx="2">
+            <a:schemeClr val="accent1">
+              <a:shade val="50000"/>
+            </a:schemeClr>
+          </a:lnRef>
+          <a:fillRef idx="1">
+            <a:schemeClr val="accent1"/>
+          </a:fillRef>
+          <a:effectRef idx="0">
+            <a:schemeClr val="accent1"/>
+          </a:effectRef>
+          <a:fontRef idx="minor">
+            <a:schemeClr val="lt1"/>
+          </a:fontRef>
+        </p:style>
+        <p:txBody>
+          <a:bodyPr rtlCol="0" anchor="ctr"/>
+          <a:lstStyle/>
+          <a:p>
+            <a:pPr algn="ctr"/>
+            <a:r>
+              <a:rPr lang="en-US" altLang="ko-KR" sz="1050" dirty="0">
+                <a:solidFill>
+                  <a:schemeClr val="tx1"/>
+                </a:solidFill>
+              </a:rPr>
+              <a:t>ThirdPage</a:t>
+            </a:r>
+            <a:endParaRPr lang="ko-KR" altLang="en-US" sz="1050" dirty="0">
+              <a:solidFill>
+                <a:schemeClr val="tx1"/>
+              </a:solidFill>
+            </a:endParaRPr>
+          </a:p>
+        </p:txBody>
+      </p:sp>
+      <p:cxnSp>
+        <p:nvCxnSpPr>
+          <p:cNvPr id="13" name="직선 화살표 연결선 12">
+            <a:extLst>
+              <a:ext uri="{FF2B5EF4-FFF2-40B4-BE49-F238E27FC236}">
+                <a16:creationId xmlns:a16="http://schemas.microsoft.com/office/drawing/2014/main" id="{BAA982D4-4C1C-610B-21CE-C217E97EA5C5}"/>
+              </a:ext>
+            </a:extLst>
+          </p:cNvPr>
+          <p:cNvCxnSpPr>
+            <a:cxnSpLocks/>
+          </p:cNvCxnSpPr>
+          <p:nvPr/>
+        </p:nvCxnSpPr>
+        <p:spPr>
+          <a:xfrm>
+            <a:off x="1385181" y="2888969"/>
+            <a:ext cx="0" cy="463587"/>
+          </a:xfrm>
+          <a:prstGeom prst="straightConnector1">
+            <a:avLst/>
+          </a:prstGeom>
+          <a:ln>
+            <a:tailEnd type="triangle"/>
+          </a:ln>
+        </p:spPr>
+        <p:style>
+          <a:lnRef idx="1">
+            <a:schemeClr val="accent1"/>
+          </a:lnRef>
+          <a:fillRef idx="0">
+            <a:schemeClr val="accent1"/>
+          </a:fillRef>
+          <a:effectRef idx="0">
+            <a:schemeClr val="accent1"/>
+          </a:effectRef>
+          <a:fontRef idx="minor">
+            <a:schemeClr val="tx1"/>
+          </a:fontRef>
+        </p:style>
+      </p:cxnSp>
+      <p:cxnSp>
+        <p:nvCxnSpPr>
+          <p:cNvPr id="14" name="직선 화살표 연결선 13">
+            <a:extLst>
+              <a:ext uri="{FF2B5EF4-FFF2-40B4-BE49-F238E27FC236}">
+                <a16:creationId xmlns:a16="http://schemas.microsoft.com/office/drawing/2014/main" id="{F3CD5944-F034-6FAD-9C45-4494B4E49B85}"/>
+              </a:ext>
+            </a:extLst>
+          </p:cNvPr>
+          <p:cNvCxnSpPr>
+            <a:cxnSpLocks/>
+          </p:cNvCxnSpPr>
+          <p:nvPr/>
+        </p:nvCxnSpPr>
+        <p:spPr>
+          <a:xfrm flipV="1">
+            <a:off x="1783533" y="2888969"/>
+            <a:ext cx="0" cy="463587"/>
+          </a:xfrm>
+          <a:prstGeom prst="straightConnector1">
+            <a:avLst/>
+          </a:prstGeom>
+          <a:ln>
+            <a:tailEnd type="triangle"/>
+          </a:ln>
+        </p:spPr>
+        <p:style>
+          <a:lnRef idx="1">
+            <a:schemeClr val="accent1"/>
+          </a:lnRef>
+          <a:fillRef idx="0">
+            <a:schemeClr val="accent1"/>
+          </a:fillRef>
+          <a:effectRef idx="0">
+            <a:schemeClr val="accent1"/>
+          </a:effectRef>
+          <a:fontRef idx="minor">
+            <a:schemeClr val="tx1"/>
+          </a:fontRef>
+        </p:style>
+      </p:cxnSp>
+      <p:pic>
+        <p:nvPicPr>
+          <p:cNvPr id="15" name="그림 14">
+            <a:extLst>
+              <a:ext uri="{FF2B5EF4-FFF2-40B4-BE49-F238E27FC236}">
+                <a16:creationId xmlns:a16="http://schemas.microsoft.com/office/drawing/2014/main" id="{445B374A-D8DD-9A6E-B2F2-FECEF12B9EA6}"/>
+              </a:ext>
+            </a:extLst>
+          </p:cNvPr>
+          <p:cNvPicPr>
+            <a:picLocks noChangeAspect="1"/>
+          </p:cNvPicPr>
+          <p:nvPr/>
+        </p:nvPicPr>
+        <p:blipFill>
+          <a:blip r:embed="rId2"/>
+          <a:stretch>
+            <a:fillRect/>
+          </a:stretch>
+        </p:blipFill>
+        <p:spPr>
+          <a:xfrm>
+            <a:off x="2762390" y="1142650"/>
+            <a:ext cx="4712743" cy="1962692"/>
+          </a:xfrm>
+          <a:prstGeom prst="rect">
+            <a:avLst/>
+          </a:prstGeom>
+        </p:spPr>
+      </p:pic>
     </p:spTree>
     <p:extLst>
       <p:ext uri="{BB962C8B-B14F-4D97-AF65-F5344CB8AC3E}">

--- a/navigator_route/navigator_route.pptx
+++ b/navigator_route/navigator_route.pptx
@@ -264,7 +264,7 @@
           <a:p>
             <a:fld id="{F933A9F0-6DA4-4C97-9CC0-3F9B0C876539}" type="datetimeFigureOut">
               <a:rPr lang="ko-KR" altLang="en-US" smtClean="0"/>
-              <a:t>2022-11-30</a:t>
+              <a:t>2022-12-01</a:t>
             </a:fld>
             <a:endParaRPr lang="ko-KR" altLang="en-US"/>
           </a:p>
@@ -462,7 +462,7 @@
           <a:p>
             <a:fld id="{F933A9F0-6DA4-4C97-9CC0-3F9B0C876539}" type="datetimeFigureOut">
               <a:rPr lang="ko-KR" altLang="en-US" smtClean="0"/>
-              <a:t>2022-11-30</a:t>
+              <a:t>2022-12-01</a:t>
             </a:fld>
             <a:endParaRPr lang="ko-KR" altLang="en-US"/>
           </a:p>
@@ -670,7 +670,7 @@
           <a:p>
             <a:fld id="{F933A9F0-6DA4-4C97-9CC0-3F9B0C876539}" type="datetimeFigureOut">
               <a:rPr lang="ko-KR" altLang="en-US" smtClean="0"/>
-              <a:t>2022-11-30</a:t>
+              <a:t>2022-12-01</a:t>
             </a:fld>
             <a:endParaRPr lang="ko-KR" altLang="en-US"/>
           </a:p>
@@ -868,7 +868,7 @@
           <a:p>
             <a:fld id="{F933A9F0-6DA4-4C97-9CC0-3F9B0C876539}" type="datetimeFigureOut">
               <a:rPr lang="ko-KR" altLang="en-US" smtClean="0"/>
-              <a:t>2022-11-30</a:t>
+              <a:t>2022-12-01</a:t>
             </a:fld>
             <a:endParaRPr lang="ko-KR" altLang="en-US"/>
           </a:p>
@@ -1143,7 +1143,7 @@
           <a:p>
             <a:fld id="{F933A9F0-6DA4-4C97-9CC0-3F9B0C876539}" type="datetimeFigureOut">
               <a:rPr lang="ko-KR" altLang="en-US" smtClean="0"/>
-              <a:t>2022-11-30</a:t>
+              <a:t>2022-12-01</a:t>
             </a:fld>
             <a:endParaRPr lang="ko-KR" altLang="en-US"/>
           </a:p>
@@ -1408,7 +1408,7 @@
           <a:p>
             <a:fld id="{F933A9F0-6DA4-4C97-9CC0-3F9B0C876539}" type="datetimeFigureOut">
               <a:rPr lang="ko-KR" altLang="en-US" smtClean="0"/>
-              <a:t>2022-11-30</a:t>
+              <a:t>2022-12-01</a:t>
             </a:fld>
             <a:endParaRPr lang="ko-KR" altLang="en-US"/>
           </a:p>
@@ -1820,7 +1820,7 @@
           <a:p>
             <a:fld id="{F933A9F0-6DA4-4C97-9CC0-3F9B0C876539}" type="datetimeFigureOut">
               <a:rPr lang="ko-KR" altLang="en-US" smtClean="0"/>
-              <a:t>2022-11-30</a:t>
+              <a:t>2022-12-01</a:t>
             </a:fld>
             <a:endParaRPr lang="ko-KR" altLang="en-US"/>
           </a:p>
@@ -1961,7 +1961,7 @@
           <a:p>
             <a:fld id="{F933A9F0-6DA4-4C97-9CC0-3F9B0C876539}" type="datetimeFigureOut">
               <a:rPr lang="ko-KR" altLang="en-US" smtClean="0"/>
-              <a:t>2022-11-30</a:t>
+              <a:t>2022-12-01</a:t>
             </a:fld>
             <a:endParaRPr lang="ko-KR" altLang="en-US"/>
           </a:p>
@@ -2074,7 +2074,7 @@
           <a:p>
             <a:fld id="{F933A9F0-6DA4-4C97-9CC0-3F9B0C876539}" type="datetimeFigureOut">
               <a:rPr lang="ko-KR" altLang="en-US" smtClean="0"/>
-              <a:t>2022-11-30</a:t>
+              <a:t>2022-12-01</a:t>
             </a:fld>
             <a:endParaRPr lang="ko-KR" altLang="en-US"/>
           </a:p>
@@ -2385,7 +2385,7 @@
           <a:p>
             <a:fld id="{F933A9F0-6DA4-4C97-9CC0-3F9B0C876539}" type="datetimeFigureOut">
               <a:rPr lang="ko-KR" altLang="en-US" smtClean="0"/>
-              <a:t>2022-11-30</a:t>
+              <a:t>2022-12-01</a:t>
             </a:fld>
             <a:endParaRPr lang="ko-KR" altLang="en-US"/>
           </a:p>
@@ -2673,7 +2673,7 @@
           <a:p>
             <a:fld id="{F933A9F0-6DA4-4C97-9CC0-3F9B0C876539}" type="datetimeFigureOut">
               <a:rPr lang="ko-KR" altLang="en-US" smtClean="0"/>
-              <a:t>2022-11-30</a:t>
+              <a:t>2022-12-01</a:t>
             </a:fld>
             <a:endParaRPr lang="ko-KR" altLang="en-US"/>
           </a:p>
@@ -2914,7 +2914,7 @@
           <a:p>
             <a:fld id="{F933A9F0-6DA4-4C97-9CC0-3F9B0C876539}" type="datetimeFigureOut">
               <a:rPr lang="ko-KR" altLang="en-US" smtClean="0"/>
-              <a:t>2022-11-30</a:t>
+              <a:t>2022-12-01</a:t>
             </a:fld>
             <a:endParaRPr lang="ko-KR" altLang="en-US"/>
           </a:p>
@@ -3557,6 +3557,303 @@
           <a:p>
             <a:pPr algn="ctr"/>
             <a:endParaRPr lang="ko-KR" altLang="en-US"/>
+          </a:p>
+        </p:txBody>
+      </p:sp>
+      <p:grpSp>
+        <p:nvGrpSpPr>
+          <p:cNvPr id="17" name="그룹 16">
+            <a:extLst>
+              <a:ext uri="{FF2B5EF4-FFF2-40B4-BE49-F238E27FC236}">
+                <a16:creationId xmlns:a16="http://schemas.microsoft.com/office/drawing/2014/main" id="{3E73E9D9-8A52-12E1-3675-23605786B884}"/>
+              </a:ext>
+            </a:extLst>
+          </p:cNvPr>
+          <p:cNvGrpSpPr/>
+          <p:nvPr/>
+        </p:nvGrpSpPr>
+        <p:grpSpPr>
+          <a:xfrm>
+            <a:off x="942975" y="3931921"/>
+            <a:ext cx="1257300" cy="1506854"/>
+            <a:chOff x="942975" y="3524250"/>
+            <a:chExt cx="1257300" cy="1914525"/>
+          </a:xfrm>
+        </p:grpSpPr>
+        <p:cxnSp>
+          <p:nvCxnSpPr>
+            <p:cNvPr id="8" name="직선 연결선 7">
+              <a:extLst>
+                <a:ext uri="{FF2B5EF4-FFF2-40B4-BE49-F238E27FC236}">
+                  <a16:creationId xmlns:a16="http://schemas.microsoft.com/office/drawing/2014/main" id="{8F036DBC-0A27-F23D-7388-2C00C0DF9882}"/>
+                </a:ext>
+              </a:extLst>
+            </p:cNvPr>
+            <p:cNvCxnSpPr/>
+            <p:nvPr/>
+          </p:nvCxnSpPr>
+          <p:spPr>
+            <a:xfrm>
+              <a:off x="942975" y="3524250"/>
+              <a:ext cx="0" cy="1914525"/>
+            </a:xfrm>
+            <a:prstGeom prst="line">
+              <a:avLst/>
+            </a:prstGeom>
+          </p:spPr>
+          <p:style>
+            <a:lnRef idx="1">
+              <a:schemeClr val="accent1"/>
+            </a:lnRef>
+            <a:fillRef idx="0">
+              <a:schemeClr val="accent1"/>
+            </a:fillRef>
+            <a:effectRef idx="0">
+              <a:schemeClr val="accent1"/>
+            </a:effectRef>
+            <a:fontRef idx="minor">
+              <a:schemeClr val="tx1"/>
+            </a:fontRef>
+          </p:style>
+        </p:cxnSp>
+        <p:cxnSp>
+          <p:nvCxnSpPr>
+            <p:cNvPr id="9" name="직선 연결선 8">
+              <a:extLst>
+                <a:ext uri="{FF2B5EF4-FFF2-40B4-BE49-F238E27FC236}">
+                  <a16:creationId xmlns:a16="http://schemas.microsoft.com/office/drawing/2014/main" id="{5DAE0E42-5089-6951-5AFD-332AF11E1A85}"/>
+                </a:ext>
+              </a:extLst>
+            </p:cNvPr>
+            <p:cNvCxnSpPr/>
+            <p:nvPr/>
+          </p:nvCxnSpPr>
+          <p:spPr>
+            <a:xfrm>
+              <a:off x="2200275" y="3524250"/>
+              <a:ext cx="0" cy="1914525"/>
+            </a:xfrm>
+            <a:prstGeom prst="line">
+              <a:avLst/>
+            </a:prstGeom>
+          </p:spPr>
+          <p:style>
+            <a:lnRef idx="1">
+              <a:schemeClr val="accent1"/>
+            </a:lnRef>
+            <a:fillRef idx="0">
+              <a:schemeClr val="accent1"/>
+            </a:fillRef>
+            <a:effectRef idx="0">
+              <a:schemeClr val="accent1"/>
+            </a:effectRef>
+            <a:fontRef idx="minor">
+              <a:schemeClr val="tx1"/>
+            </a:fontRef>
+          </p:style>
+        </p:cxnSp>
+      </p:grpSp>
+      <p:cxnSp>
+        <p:nvCxnSpPr>
+          <p:cNvPr id="11" name="직선 연결선 10">
+            <a:extLst>
+              <a:ext uri="{FF2B5EF4-FFF2-40B4-BE49-F238E27FC236}">
+                <a16:creationId xmlns:a16="http://schemas.microsoft.com/office/drawing/2014/main" id="{6A671EEC-53D2-E000-C42E-60A350DE6EC2}"/>
+              </a:ext>
+            </a:extLst>
+          </p:cNvPr>
+          <p:cNvCxnSpPr/>
+          <p:nvPr/>
+        </p:nvCxnSpPr>
+        <p:spPr>
+          <a:xfrm>
+            <a:off x="938476" y="5429250"/>
+            <a:ext cx="1266299" cy="0"/>
+          </a:xfrm>
+          <a:prstGeom prst="line">
+            <a:avLst/>
+          </a:prstGeom>
+        </p:spPr>
+        <p:style>
+          <a:lnRef idx="1">
+            <a:schemeClr val="accent1"/>
+          </a:lnRef>
+          <a:fillRef idx="0">
+            <a:schemeClr val="accent1"/>
+          </a:fillRef>
+          <a:effectRef idx="0">
+            <a:schemeClr val="accent1"/>
+          </a:effectRef>
+          <a:fontRef idx="minor">
+            <a:schemeClr val="tx1"/>
+          </a:fontRef>
+        </p:style>
+      </p:cxnSp>
+      <p:sp>
+        <p:nvSpPr>
+          <p:cNvPr id="14" name="직사각형 13">
+            <a:extLst>
+              <a:ext uri="{FF2B5EF4-FFF2-40B4-BE49-F238E27FC236}">
+                <a16:creationId xmlns:a16="http://schemas.microsoft.com/office/drawing/2014/main" id="{661037C9-A657-203B-B118-79C2128F2A89}"/>
+              </a:ext>
+            </a:extLst>
+          </p:cNvPr>
+          <p:cNvSpPr/>
+          <p:nvPr/>
+        </p:nvSpPr>
+        <p:spPr>
+          <a:xfrm>
+            <a:off x="1038225" y="4886252"/>
+            <a:ext cx="1085847" cy="361950"/>
+          </a:xfrm>
+          <a:prstGeom prst="rect">
+            <a:avLst/>
+          </a:prstGeom>
+          <a:solidFill>
+            <a:schemeClr val="accent1">
+              <a:lumMod val="60000"/>
+              <a:lumOff val="40000"/>
+            </a:schemeClr>
+          </a:solidFill>
+        </p:spPr>
+        <p:style>
+          <a:lnRef idx="2">
+            <a:schemeClr val="accent1">
+              <a:shade val="50000"/>
+            </a:schemeClr>
+          </a:lnRef>
+          <a:fillRef idx="1">
+            <a:schemeClr val="accent1"/>
+          </a:fillRef>
+          <a:effectRef idx="0">
+            <a:schemeClr val="accent1"/>
+          </a:effectRef>
+          <a:fontRef idx="minor">
+            <a:schemeClr val="lt1"/>
+          </a:fontRef>
+        </p:style>
+        <p:txBody>
+          <a:bodyPr rtlCol="0" anchor="ctr"/>
+          <a:lstStyle/>
+          <a:p>
+            <a:pPr algn="ctr"/>
+            <a:r>
+              <a:rPr lang="en-US" altLang="ko-KR" sz="1200" dirty="0"/>
+              <a:t>HomePage</a:t>
+            </a:r>
+            <a:endParaRPr lang="ko-KR" altLang="en-US" sz="1200" dirty="0"/>
+          </a:p>
+        </p:txBody>
+      </p:sp>
+      <p:sp>
+        <p:nvSpPr>
+          <p:cNvPr id="15" name="직사각형 14">
+            <a:extLst>
+              <a:ext uri="{FF2B5EF4-FFF2-40B4-BE49-F238E27FC236}">
+                <a16:creationId xmlns:a16="http://schemas.microsoft.com/office/drawing/2014/main" id="{885A4FC1-F253-ADA5-86E5-9399A8910143}"/>
+              </a:ext>
+            </a:extLst>
+          </p:cNvPr>
+          <p:cNvSpPr/>
+          <p:nvPr/>
+        </p:nvSpPr>
+        <p:spPr>
+          <a:xfrm>
+            <a:off x="1038225" y="4490965"/>
+            <a:ext cx="1085847" cy="361950"/>
+          </a:xfrm>
+          <a:prstGeom prst="rect">
+            <a:avLst/>
+          </a:prstGeom>
+          <a:solidFill>
+            <a:schemeClr val="accent1">
+              <a:lumMod val="60000"/>
+              <a:lumOff val="40000"/>
+            </a:schemeClr>
+          </a:solidFill>
+        </p:spPr>
+        <p:style>
+          <a:lnRef idx="2">
+            <a:schemeClr val="accent1">
+              <a:shade val="50000"/>
+            </a:schemeClr>
+          </a:lnRef>
+          <a:fillRef idx="1">
+            <a:schemeClr val="accent1"/>
+          </a:fillRef>
+          <a:effectRef idx="0">
+            <a:schemeClr val="accent1"/>
+          </a:effectRef>
+          <a:fontRef idx="minor">
+            <a:schemeClr val="lt1"/>
+          </a:fontRef>
+        </p:style>
+        <p:txBody>
+          <a:bodyPr rtlCol="0" anchor="ctr"/>
+          <a:lstStyle/>
+          <a:p>
+            <a:pPr algn="ctr"/>
+            <a:r>
+              <a:rPr lang="en-US" altLang="ko-KR" sz="1200" dirty="0"/>
+              <a:t>FirstPage</a:t>
+            </a:r>
+            <a:endParaRPr lang="ko-KR" altLang="en-US" sz="1200" dirty="0"/>
+          </a:p>
+        </p:txBody>
+      </p:sp>
+      <p:sp>
+        <p:nvSpPr>
+          <p:cNvPr id="16" name="직사각형 15">
+            <a:extLst>
+              <a:ext uri="{FF2B5EF4-FFF2-40B4-BE49-F238E27FC236}">
+                <a16:creationId xmlns:a16="http://schemas.microsoft.com/office/drawing/2014/main" id="{B1910A15-AAF1-675C-C715-6F3FB6943488}"/>
+              </a:ext>
+            </a:extLst>
+          </p:cNvPr>
+          <p:cNvSpPr/>
+          <p:nvPr/>
+        </p:nvSpPr>
+        <p:spPr>
+          <a:xfrm>
+            <a:off x="1038224" y="4088497"/>
+            <a:ext cx="1085847" cy="361950"/>
+          </a:xfrm>
+          <a:prstGeom prst="rect">
+            <a:avLst/>
+          </a:prstGeom>
+          <a:solidFill>
+            <a:schemeClr val="accent1">
+              <a:lumMod val="60000"/>
+              <a:lumOff val="40000"/>
+            </a:schemeClr>
+          </a:solidFill>
+        </p:spPr>
+        <p:style>
+          <a:lnRef idx="2">
+            <a:schemeClr val="accent1">
+              <a:shade val="50000"/>
+            </a:schemeClr>
+          </a:lnRef>
+          <a:fillRef idx="1">
+            <a:schemeClr val="accent1"/>
+          </a:fillRef>
+          <a:effectRef idx="0">
+            <a:schemeClr val="accent1"/>
+          </a:effectRef>
+          <a:fontRef idx="minor">
+            <a:schemeClr val="lt1"/>
+          </a:fontRef>
+        </p:style>
+        <p:txBody>
+          <a:bodyPr rtlCol="0" anchor="ctr"/>
+          <a:lstStyle/>
+          <a:p>
+            <a:pPr algn="ctr"/>
+            <a:r>
+              <a:rPr lang="en-US" altLang="ko-KR" sz="1200" dirty="0"/>
+              <a:t>SecondPage</a:t>
+            </a:r>
+            <a:endParaRPr lang="ko-KR" altLang="en-US" sz="1200" dirty="0"/>
           </a:p>
         </p:txBody>
       </p:sp>
